--- a/asserts/Arch.pptx
+++ b/asserts/Arch.pptx
@@ -5213,7 +5213,7 @@
         <p:spPr>
           <a:xfrm>
             <a:off x="4329765" y="5690816"/>
-            <a:ext cx="3532470" cy="926952"/>
+            <a:ext cx="3532470" cy="778069"/>
           </a:xfrm>
           <a:prstGeom prst="rect">
             <a:avLst/>
@@ -5234,7 +5234,7 @@
           </a:fontRef>
         </p:style>
         <p:txBody>
-          <a:bodyPr rtlCol="0" anchor="ctr"/>
+          <a:bodyPr rtlCol="0" anchor="b"/>
           <a:lstStyle/>
           <a:p>
             <a:pPr algn="ctr"/>
@@ -6139,6 +6139,114 @@
       </p:sp>
       <p:sp>
         <p:nvSpPr>
+          <p:cNvPr id="32" name="矩形 31">
+            <a:extLst>
+              <a:ext uri="{FF2B5EF4-FFF2-40B4-BE49-F238E27FC236}">
+                <a16:creationId xmlns:a16="http://schemas.microsoft.com/office/drawing/2014/main" id="{51DA87A9-8A7F-45FB-BB3A-0C8E9D0EBAA6}"/>
+              </a:ext>
+            </a:extLst>
+          </p:cNvPr>
+          <p:cNvSpPr/>
+          <p:nvPr/>
+        </p:nvSpPr>
+        <p:spPr>
+          <a:xfrm>
+            <a:off x="4329764" y="5701936"/>
+            <a:ext cx="2063600" cy="397565"/>
+          </a:xfrm>
+          <a:prstGeom prst="rect">
+            <a:avLst/>
+          </a:prstGeom>
+        </p:spPr>
+        <p:style>
+          <a:lnRef idx="2">
+            <a:schemeClr val="accent6">
+              <a:shade val="50000"/>
+            </a:schemeClr>
+          </a:lnRef>
+          <a:fillRef idx="1">
+            <a:schemeClr val="accent6"/>
+          </a:fillRef>
+          <a:effectRef idx="0">
+            <a:schemeClr val="accent6"/>
+          </a:effectRef>
+          <a:fontRef idx="minor">
+            <a:schemeClr val="lt1"/>
+          </a:fontRef>
+        </p:style>
+        <p:txBody>
+          <a:bodyPr rtlCol="0" anchor="ctr"/>
+          <a:lstStyle/>
+          <a:p>
+            <a:pPr algn="ctr"/>
+            <a:r>
+              <a:rPr lang="en-US" altLang="zh-CN" dirty="0"/>
+              <a:t>HTTP-GRPC</a:t>
+            </a:r>
+            <a:endParaRPr lang="zh-CN" altLang="en-US" dirty="0"/>
+          </a:p>
+        </p:txBody>
+      </p:sp>
+      <p:sp>
+        <p:nvSpPr>
+          <p:cNvPr id="35" name="矩形 34">
+            <a:extLst>
+              <a:ext uri="{FF2B5EF4-FFF2-40B4-BE49-F238E27FC236}">
+                <a16:creationId xmlns:a16="http://schemas.microsoft.com/office/drawing/2014/main" id="{96D35F17-4757-4D3F-8742-BEDB93355730}"/>
+              </a:ext>
+            </a:extLst>
+          </p:cNvPr>
+          <p:cNvSpPr/>
+          <p:nvPr/>
+        </p:nvSpPr>
+        <p:spPr>
+          <a:xfrm>
+            <a:off x="6393363" y="5699884"/>
+            <a:ext cx="1468871" cy="397565"/>
+          </a:xfrm>
+          <a:prstGeom prst="rect">
+            <a:avLst/>
+          </a:prstGeom>
+        </p:spPr>
+        <p:style>
+          <a:lnRef idx="2">
+            <a:schemeClr val="accent2">
+              <a:shade val="50000"/>
+            </a:schemeClr>
+          </a:lnRef>
+          <a:fillRef idx="1">
+            <a:schemeClr val="accent2"/>
+          </a:fillRef>
+          <a:effectRef idx="0">
+            <a:schemeClr val="accent2"/>
+          </a:effectRef>
+          <a:fontRef idx="minor">
+            <a:schemeClr val="lt1"/>
+          </a:fontRef>
+        </p:style>
+        <p:txBody>
+          <a:bodyPr rtlCol="0" anchor="ctr"/>
+          <a:lstStyle/>
+          <a:p>
+            <a:pPr algn="ctr"/>
+            <a:r>
+              <a:rPr lang="en-US" altLang="zh-CN" dirty="0"/>
+              <a:t>ion-</a:t>
+            </a:r>
+            <a:r>
+              <a:rPr lang="en-US" altLang="zh-CN" dirty="0" err="1"/>
+              <a:t>sdk</a:t>
+            </a:r>
+            <a:r>
+              <a:rPr lang="en-US" altLang="zh-CN" dirty="0"/>
+              <a:t>-go</a:t>
+            </a:r>
+            <a:endParaRPr lang="zh-CN" altLang="en-US" dirty="0"/>
+          </a:p>
+        </p:txBody>
+      </p:sp>
+      <p:sp>
+        <p:nvSpPr>
           <p:cNvPr id="31" name="文本框 30">
             <a:extLst>
               <a:ext uri="{FF2B5EF4-FFF2-40B4-BE49-F238E27FC236}">
@@ -6151,7 +6259,7 @@
         </p:nvSpPr>
         <p:spPr>
           <a:xfrm>
-            <a:off x="4545201" y="5668731"/>
+            <a:off x="4582722" y="5506149"/>
             <a:ext cx="813043" cy="369332"/>
           </a:xfrm>
           <a:prstGeom prst="rect">
@@ -6195,7 +6303,7 @@
         </p:nvSpPr>
         <p:spPr>
           <a:xfrm>
-            <a:off x="5717698" y="5674202"/>
+            <a:off x="5739760" y="5505137"/>
             <a:ext cx="813043" cy="369332"/>
           </a:xfrm>
           <a:prstGeom prst="rect">
@@ -6239,7 +6347,7 @@
         </p:nvSpPr>
         <p:spPr>
           <a:xfrm>
-            <a:off x="7062605" y="5668731"/>
+            <a:off x="7281413" y="5505137"/>
             <a:ext cx="813043" cy="369332"/>
           </a:xfrm>
           <a:prstGeom prst="rect">

--- a/asserts/Arch.pptx
+++ b/asserts/Arch.pptx
@@ -7,6 +7,7 @@
   <p:sldIdLst>
     <p:sldId id="256" r:id="rId2"/>
     <p:sldId id="257" r:id="rId3"/>
+    <p:sldId id="258" r:id="rId4"/>
   </p:sldIdLst>
   <p:sldSz cx="12192000" cy="6858000"/>
   <p:notesSz cx="6858000" cy="9144000"/>
@@ -260,7 +261,7 @@
           <a:p>
             <a:fld id="{D4BD90A5-56A0-403F-BAA9-C5A2B13D04E2}" type="datetimeFigureOut">
               <a:rPr lang="zh-CN" altLang="en-US" smtClean="0"/>
-              <a:t>2022/4/18</a:t>
+              <a:t>2022/6/17</a:t>
             </a:fld>
             <a:endParaRPr lang="zh-CN" altLang="en-US"/>
           </a:p>
@@ -458,7 +459,7 @@
           <a:p>
             <a:fld id="{D4BD90A5-56A0-403F-BAA9-C5A2B13D04E2}" type="datetimeFigureOut">
               <a:rPr lang="zh-CN" altLang="en-US" smtClean="0"/>
-              <a:t>2022/4/18</a:t>
+              <a:t>2022/6/17</a:t>
             </a:fld>
             <a:endParaRPr lang="zh-CN" altLang="en-US"/>
           </a:p>
@@ -666,7 +667,7 @@
           <a:p>
             <a:fld id="{D4BD90A5-56A0-403F-BAA9-C5A2B13D04E2}" type="datetimeFigureOut">
               <a:rPr lang="zh-CN" altLang="en-US" smtClean="0"/>
-              <a:t>2022/4/18</a:t>
+              <a:t>2022/6/17</a:t>
             </a:fld>
             <a:endParaRPr lang="zh-CN" altLang="en-US"/>
           </a:p>
@@ -864,7 +865,7 @@
           <a:p>
             <a:fld id="{D4BD90A5-56A0-403F-BAA9-C5A2B13D04E2}" type="datetimeFigureOut">
               <a:rPr lang="zh-CN" altLang="en-US" smtClean="0"/>
-              <a:t>2022/4/18</a:t>
+              <a:t>2022/6/17</a:t>
             </a:fld>
             <a:endParaRPr lang="zh-CN" altLang="en-US"/>
           </a:p>
@@ -1139,7 +1140,7 @@
           <a:p>
             <a:fld id="{D4BD90A5-56A0-403F-BAA9-C5A2B13D04E2}" type="datetimeFigureOut">
               <a:rPr lang="zh-CN" altLang="en-US" smtClean="0"/>
-              <a:t>2022/4/18</a:t>
+              <a:t>2022/6/17</a:t>
             </a:fld>
             <a:endParaRPr lang="zh-CN" altLang="en-US"/>
           </a:p>
@@ -1404,7 +1405,7 @@
           <a:p>
             <a:fld id="{D4BD90A5-56A0-403F-BAA9-C5A2B13D04E2}" type="datetimeFigureOut">
               <a:rPr lang="zh-CN" altLang="en-US" smtClean="0"/>
-              <a:t>2022/4/18</a:t>
+              <a:t>2022/6/17</a:t>
             </a:fld>
             <a:endParaRPr lang="zh-CN" altLang="en-US"/>
           </a:p>
@@ -1816,7 +1817,7 @@
           <a:p>
             <a:fld id="{D4BD90A5-56A0-403F-BAA9-C5A2B13D04E2}" type="datetimeFigureOut">
               <a:rPr lang="zh-CN" altLang="en-US" smtClean="0"/>
-              <a:t>2022/4/18</a:t>
+              <a:t>2022/6/17</a:t>
             </a:fld>
             <a:endParaRPr lang="zh-CN" altLang="en-US"/>
           </a:p>
@@ -1957,7 +1958,7 @@
           <a:p>
             <a:fld id="{D4BD90A5-56A0-403F-BAA9-C5A2B13D04E2}" type="datetimeFigureOut">
               <a:rPr lang="zh-CN" altLang="en-US" smtClean="0"/>
-              <a:t>2022/4/18</a:t>
+              <a:t>2022/6/17</a:t>
             </a:fld>
             <a:endParaRPr lang="zh-CN" altLang="en-US"/>
           </a:p>
@@ -2070,7 +2071,7 @@
           <a:p>
             <a:fld id="{D4BD90A5-56A0-403F-BAA9-C5A2B13D04E2}" type="datetimeFigureOut">
               <a:rPr lang="zh-CN" altLang="en-US" smtClean="0"/>
-              <a:t>2022/4/18</a:t>
+              <a:t>2022/6/17</a:t>
             </a:fld>
             <a:endParaRPr lang="zh-CN" altLang="en-US"/>
           </a:p>
@@ -2381,7 +2382,7 @@
           <a:p>
             <a:fld id="{D4BD90A5-56A0-403F-BAA9-C5A2B13D04E2}" type="datetimeFigureOut">
               <a:rPr lang="zh-CN" altLang="en-US" smtClean="0"/>
-              <a:t>2022/4/18</a:t>
+              <a:t>2022/6/17</a:t>
             </a:fld>
             <a:endParaRPr lang="zh-CN" altLang="en-US"/>
           </a:p>
@@ -2669,7 +2670,7 @@
           <a:p>
             <a:fld id="{D4BD90A5-56A0-403F-BAA9-C5A2B13D04E2}" type="datetimeFigureOut">
               <a:rPr lang="zh-CN" altLang="en-US" smtClean="0"/>
-              <a:t>2022/4/18</a:t>
+              <a:t>2022/6/17</a:t>
             </a:fld>
             <a:endParaRPr lang="zh-CN" altLang="en-US"/>
           </a:p>
@@ -2910,7 +2911,7 @@
           <a:p>
             <a:fld id="{D4BD90A5-56A0-403F-BAA9-C5A2B13D04E2}" type="datetimeFigureOut">
               <a:rPr lang="zh-CN" altLang="en-US" smtClean="0"/>
-              <a:t>2022/4/18</a:t>
+              <a:t>2022/6/17</a:t>
             </a:fld>
             <a:endParaRPr lang="zh-CN" altLang="en-US"/>
           </a:p>
@@ -3341,7 +3342,7 @@
         </p:nvGrpSpPr>
         <p:grpSpPr>
           <a:xfrm>
-            <a:off x="4782705" y="564542"/>
+            <a:off x="4782705" y="533016"/>
             <a:ext cx="3532470" cy="1658575"/>
             <a:chOff x="3108959" y="1180040"/>
             <a:chExt cx="2417197" cy="1658575"/>
@@ -3874,7 +3875,7 @@
             <a:lstStyle/>
             <a:p>
               <a:pPr algn="ctr"/>
-              <a:endParaRPr lang="zh-CN" altLang="en-US"/>
+              <a:endParaRPr lang="zh-CN" altLang="en-US" dirty="0"/>
             </a:p>
           </p:txBody>
         </p:sp>
@@ -4401,244 +4402,6 @@
           </p:txBody>
         </p:sp>
       </p:grpSp>
-      <p:grpSp>
-        <p:nvGrpSpPr>
-          <p:cNvPr id="33" name="组合 32">
-            <a:extLst>
-              <a:ext uri="{FF2B5EF4-FFF2-40B4-BE49-F238E27FC236}">
-                <a16:creationId xmlns:a16="http://schemas.microsoft.com/office/drawing/2014/main" id="{B231D752-CDBE-4C5B-A76A-3BB48DBB2601}"/>
-              </a:ext>
-            </a:extLst>
-          </p:cNvPr>
-          <p:cNvGrpSpPr/>
-          <p:nvPr/>
-        </p:nvGrpSpPr>
-        <p:grpSpPr>
-          <a:xfrm>
-            <a:off x="4458857" y="2230052"/>
-            <a:ext cx="1471287" cy="1495508"/>
-            <a:chOff x="4690974" y="2777464"/>
-            <a:chExt cx="1275588" cy="1280019"/>
-          </a:xfrm>
-        </p:grpSpPr>
-        <p:sp>
-          <p:nvSpPr>
-            <p:cNvPr id="31" name="箭头: 直角上 30">
-              <a:extLst>
-                <a:ext uri="{FF2B5EF4-FFF2-40B4-BE49-F238E27FC236}">
-                  <a16:creationId xmlns:a16="http://schemas.microsoft.com/office/drawing/2014/main" id="{0E8AC08D-7AB6-4DA6-B392-8F4CB052D426}"/>
-                </a:ext>
-              </a:extLst>
-            </p:cNvPr>
-            <p:cNvSpPr/>
-            <p:nvPr/>
-          </p:nvSpPr>
-          <p:spPr>
-            <a:xfrm>
-              <a:off x="5116170" y="2777464"/>
-              <a:ext cx="850392" cy="731520"/>
-            </a:xfrm>
-            <a:prstGeom prst="bentUpArrow">
-              <a:avLst/>
-            </a:prstGeom>
-            <a:ln>
-              <a:noFill/>
-            </a:ln>
-          </p:spPr>
-          <p:style>
-            <a:lnRef idx="2">
-              <a:schemeClr val="accent1">
-                <a:shade val="50000"/>
-              </a:schemeClr>
-            </a:lnRef>
-            <a:fillRef idx="1">
-              <a:schemeClr val="accent1"/>
-            </a:fillRef>
-            <a:effectRef idx="0">
-              <a:schemeClr val="accent1"/>
-            </a:effectRef>
-            <a:fontRef idx="minor">
-              <a:schemeClr val="lt1"/>
-            </a:fontRef>
-          </p:style>
-          <p:txBody>
-            <a:bodyPr rtlCol="0" anchor="ctr"/>
-            <a:lstStyle/>
-            <a:p>
-              <a:pPr algn="ctr"/>
-              <a:endParaRPr lang="zh-CN" altLang="en-US"/>
-            </a:p>
-          </p:txBody>
-        </p:sp>
-        <p:sp>
-          <p:nvSpPr>
-            <p:cNvPr id="32" name="箭头: 直角上 31">
-              <a:extLst>
-                <a:ext uri="{FF2B5EF4-FFF2-40B4-BE49-F238E27FC236}">
-                  <a16:creationId xmlns:a16="http://schemas.microsoft.com/office/drawing/2014/main" id="{75198619-2301-4982-87CD-AE31876F5C96}"/>
-                </a:ext>
-              </a:extLst>
-            </p:cNvPr>
-            <p:cNvSpPr/>
-            <p:nvPr/>
-          </p:nvSpPr>
-          <p:spPr>
-            <a:xfrm rot="10800000">
-              <a:off x="4690974" y="3325963"/>
-              <a:ext cx="850392" cy="731520"/>
-            </a:xfrm>
-            <a:prstGeom prst="bentUpArrow">
-              <a:avLst/>
-            </a:prstGeom>
-            <a:ln>
-              <a:noFill/>
-            </a:ln>
-          </p:spPr>
-          <p:style>
-            <a:lnRef idx="2">
-              <a:schemeClr val="accent1">
-                <a:shade val="50000"/>
-              </a:schemeClr>
-            </a:lnRef>
-            <a:fillRef idx="1">
-              <a:schemeClr val="accent1"/>
-            </a:fillRef>
-            <a:effectRef idx="0">
-              <a:schemeClr val="accent1"/>
-            </a:effectRef>
-            <a:fontRef idx="minor">
-              <a:schemeClr val="lt1"/>
-            </a:fontRef>
-          </p:style>
-          <p:txBody>
-            <a:bodyPr rtlCol="0" anchor="ctr"/>
-            <a:lstStyle/>
-            <a:p>
-              <a:pPr algn="ctr"/>
-              <a:endParaRPr lang="zh-CN" altLang="en-US"/>
-            </a:p>
-          </p:txBody>
-        </p:sp>
-      </p:grpSp>
-      <p:grpSp>
-        <p:nvGrpSpPr>
-          <p:cNvPr id="34" name="组合 33">
-            <a:extLst>
-              <a:ext uri="{FF2B5EF4-FFF2-40B4-BE49-F238E27FC236}">
-                <a16:creationId xmlns:a16="http://schemas.microsoft.com/office/drawing/2014/main" id="{9B2EA54C-3A4E-4E0E-8DF9-82DC058D9898}"/>
-              </a:ext>
-            </a:extLst>
-          </p:cNvPr>
-          <p:cNvGrpSpPr/>
-          <p:nvPr/>
-        </p:nvGrpSpPr>
-        <p:grpSpPr>
-          <a:xfrm flipH="1">
-            <a:off x="7167733" y="2230206"/>
-            <a:ext cx="1471287" cy="1495508"/>
-            <a:chOff x="4690974" y="2777464"/>
-            <a:chExt cx="1275588" cy="1280019"/>
-          </a:xfrm>
-        </p:grpSpPr>
-        <p:sp>
-          <p:nvSpPr>
-            <p:cNvPr id="35" name="箭头: 直角上 34">
-              <a:extLst>
-                <a:ext uri="{FF2B5EF4-FFF2-40B4-BE49-F238E27FC236}">
-                  <a16:creationId xmlns:a16="http://schemas.microsoft.com/office/drawing/2014/main" id="{E5FE5689-9A1B-45C6-B437-5644B7FEA1E5}"/>
-                </a:ext>
-              </a:extLst>
-            </p:cNvPr>
-            <p:cNvSpPr/>
-            <p:nvPr/>
-          </p:nvSpPr>
-          <p:spPr>
-            <a:xfrm>
-              <a:off x="5116170" y="2777464"/>
-              <a:ext cx="850392" cy="731520"/>
-            </a:xfrm>
-            <a:prstGeom prst="bentUpArrow">
-              <a:avLst/>
-            </a:prstGeom>
-            <a:ln>
-              <a:noFill/>
-            </a:ln>
-          </p:spPr>
-          <p:style>
-            <a:lnRef idx="2">
-              <a:schemeClr val="accent1">
-                <a:shade val="50000"/>
-              </a:schemeClr>
-            </a:lnRef>
-            <a:fillRef idx="1">
-              <a:schemeClr val="accent1"/>
-            </a:fillRef>
-            <a:effectRef idx="0">
-              <a:schemeClr val="accent1"/>
-            </a:effectRef>
-            <a:fontRef idx="minor">
-              <a:schemeClr val="lt1"/>
-            </a:fontRef>
-          </p:style>
-          <p:txBody>
-            <a:bodyPr rtlCol="0" anchor="ctr"/>
-            <a:lstStyle/>
-            <a:p>
-              <a:pPr algn="ctr"/>
-              <a:endParaRPr lang="zh-CN" altLang="en-US"/>
-            </a:p>
-          </p:txBody>
-        </p:sp>
-        <p:sp>
-          <p:nvSpPr>
-            <p:cNvPr id="36" name="箭头: 直角上 35">
-              <a:extLst>
-                <a:ext uri="{FF2B5EF4-FFF2-40B4-BE49-F238E27FC236}">
-                  <a16:creationId xmlns:a16="http://schemas.microsoft.com/office/drawing/2014/main" id="{C5FBFFA8-1A4A-400C-B611-15B22AD163AC}"/>
-                </a:ext>
-              </a:extLst>
-            </p:cNvPr>
-            <p:cNvSpPr/>
-            <p:nvPr/>
-          </p:nvSpPr>
-          <p:spPr>
-            <a:xfrm rot="10800000">
-              <a:off x="4690974" y="3325963"/>
-              <a:ext cx="850392" cy="731520"/>
-            </a:xfrm>
-            <a:prstGeom prst="bentUpArrow">
-              <a:avLst/>
-            </a:prstGeom>
-            <a:ln>
-              <a:noFill/>
-            </a:ln>
-          </p:spPr>
-          <p:style>
-            <a:lnRef idx="2">
-              <a:schemeClr val="accent1">
-                <a:shade val="50000"/>
-              </a:schemeClr>
-            </a:lnRef>
-            <a:fillRef idx="1">
-              <a:schemeClr val="accent1"/>
-            </a:fillRef>
-            <a:effectRef idx="0">
-              <a:schemeClr val="accent1"/>
-            </a:effectRef>
-            <a:fontRef idx="minor">
-              <a:schemeClr val="lt1"/>
-            </a:fontRef>
-          </p:style>
-          <p:txBody>
-            <a:bodyPr rtlCol="0" anchor="ctr"/>
-            <a:lstStyle/>
-            <a:p>
-              <a:pPr algn="ctr"/>
-              <a:endParaRPr lang="zh-CN" altLang="en-US"/>
-            </a:p>
-          </p:txBody>
-        </p:sp>
-      </p:grpSp>
       <p:sp>
         <p:nvSpPr>
           <p:cNvPr id="39" name="矩形 38">
@@ -4653,7 +4416,7 @@
         </p:nvSpPr>
         <p:spPr>
           <a:xfrm>
-            <a:off x="4918922" y="692473"/>
+            <a:off x="4918922" y="660947"/>
             <a:ext cx="3260035" cy="600988"/>
           </a:xfrm>
           <a:prstGeom prst="rect">
@@ -4690,10 +4453,102 @@
       </p:sp>
       <p:sp>
         <p:nvSpPr>
-          <p:cNvPr id="40" name="文本框 39">
-            <a:extLst>
-              <a:ext uri="{FF2B5EF4-FFF2-40B4-BE49-F238E27FC236}">
-                <a16:creationId xmlns:a16="http://schemas.microsoft.com/office/drawing/2014/main" id="{FE81AA04-CFFC-411C-B740-EB4E5E9323BF}"/>
+          <p:cNvPr id="41" name="箭头: 上 40">
+            <a:extLst>
+              <a:ext uri="{FF2B5EF4-FFF2-40B4-BE49-F238E27FC236}">
+                <a16:creationId xmlns:a16="http://schemas.microsoft.com/office/drawing/2014/main" id="{3352AF30-62C7-4FB3-B2AD-89CD02A5FEF9}"/>
+              </a:ext>
+            </a:extLst>
+          </p:cNvPr>
+          <p:cNvSpPr/>
+          <p:nvPr/>
+        </p:nvSpPr>
+        <p:spPr>
+          <a:xfrm>
+            <a:off x="5058468" y="1261935"/>
+            <a:ext cx="484632" cy="537768"/>
+          </a:xfrm>
+          <a:prstGeom prst="upArrow">
+            <a:avLst/>
+          </a:prstGeom>
+        </p:spPr>
+        <p:style>
+          <a:lnRef idx="2">
+            <a:schemeClr val="accent1">
+              <a:shade val="50000"/>
+            </a:schemeClr>
+          </a:lnRef>
+          <a:fillRef idx="1">
+            <a:schemeClr val="accent1"/>
+          </a:fillRef>
+          <a:effectRef idx="0">
+            <a:schemeClr val="accent1"/>
+          </a:effectRef>
+          <a:fontRef idx="minor">
+            <a:schemeClr val="lt1"/>
+          </a:fontRef>
+        </p:style>
+        <p:txBody>
+          <a:bodyPr rtlCol="0" anchor="ctr"/>
+          <a:lstStyle/>
+          <a:p>
+            <a:pPr algn="ctr"/>
+            <a:endParaRPr lang="zh-CN" altLang="en-US" dirty="0"/>
+          </a:p>
+        </p:txBody>
+      </p:sp>
+      <p:sp>
+        <p:nvSpPr>
+          <p:cNvPr id="42" name="箭头: 上 41">
+            <a:extLst>
+              <a:ext uri="{FF2B5EF4-FFF2-40B4-BE49-F238E27FC236}">
+                <a16:creationId xmlns:a16="http://schemas.microsoft.com/office/drawing/2014/main" id="{E3B1EA3A-D849-432E-A359-55E7DC43B79F}"/>
+              </a:ext>
+            </a:extLst>
+          </p:cNvPr>
+          <p:cNvSpPr/>
+          <p:nvPr/>
+        </p:nvSpPr>
+        <p:spPr>
+          <a:xfrm rot="10800000">
+            <a:off x="7484658" y="1261935"/>
+            <a:ext cx="484632" cy="537768"/>
+          </a:xfrm>
+          <a:prstGeom prst="upArrow">
+            <a:avLst/>
+          </a:prstGeom>
+        </p:spPr>
+        <p:style>
+          <a:lnRef idx="2">
+            <a:schemeClr val="accent1">
+              <a:shade val="50000"/>
+            </a:schemeClr>
+          </a:lnRef>
+          <a:fillRef idx="1">
+            <a:schemeClr val="accent1"/>
+          </a:fillRef>
+          <a:effectRef idx="0">
+            <a:schemeClr val="accent1"/>
+          </a:effectRef>
+          <a:fontRef idx="minor">
+            <a:schemeClr val="lt1"/>
+          </a:fontRef>
+        </p:style>
+        <p:txBody>
+          <a:bodyPr rtlCol="0" anchor="ctr"/>
+          <a:lstStyle/>
+          <a:p>
+            <a:pPr algn="ctr"/>
+            <a:endParaRPr lang="zh-CN" altLang="en-US" dirty="0"/>
+          </a:p>
+        </p:txBody>
+      </p:sp>
+      <p:sp>
+        <p:nvSpPr>
+          <p:cNvPr id="43" name="文本框 42">
+            <a:extLst>
+              <a:ext uri="{FF2B5EF4-FFF2-40B4-BE49-F238E27FC236}">
+                <a16:creationId xmlns:a16="http://schemas.microsoft.com/office/drawing/2014/main" id="{A888808C-F1DC-4F25-B089-093505A74B83}"/>
               </a:ext>
             </a:extLst>
           </p:cNvPr>
@@ -4702,8 +4557,8 @@
         </p:nvSpPr>
         <p:spPr>
           <a:xfrm>
-            <a:off x="5406883" y="2525194"/>
-            <a:ext cx="2284114" cy="923330"/>
+            <a:off x="1804131" y="1204190"/>
+            <a:ext cx="3387435" cy="646331"/>
           </a:xfrm>
           <a:prstGeom prst="rect">
             <a:avLst/>
@@ -4733,21 +4588,14 @@
           </a:bodyPr>
           <a:lstStyle/>
           <a:p>
-            <a:pPr algn="ctr"/>
+            <a:pPr algn="r"/>
             <a:r>
               <a:rPr lang="en-US" altLang="zh-CN" dirty="0"/>
               <a:t>Status</a:t>
             </a:r>
           </a:p>
           <a:p>
-            <a:pPr algn="ctr"/>
-            <a:r>
-              <a:rPr lang="en-US" altLang="zh-CN" dirty="0"/>
-              <a:t>&amp;</a:t>
-            </a:r>
-          </a:p>
-          <a:p>
-            <a:pPr algn="ctr"/>
+            <a:pPr algn="r"/>
             <a:r>
               <a:rPr lang="en-US" altLang="zh-CN" dirty="0"/>
               <a:t>Statistic Information</a:t>
@@ -4758,112 +4606,20 @@
       </p:sp>
       <p:sp>
         <p:nvSpPr>
-          <p:cNvPr id="41" name="箭头: 上 40">
-            <a:extLst>
-              <a:ext uri="{FF2B5EF4-FFF2-40B4-BE49-F238E27FC236}">
-                <a16:creationId xmlns:a16="http://schemas.microsoft.com/office/drawing/2014/main" id="{3352AF30-62C7-4FB3-B2AD-89CD02A5FEF9}"/>
-              </a:ext>
-            </a:extLst>
-          </p:cNvPr>
-          <p:cNvSpPr/>
+          <p:cNvPr id="44" name="文本框 43">
+            <a:extLst>
+              <a:ext uri="{FF2B5EF4-FFF2-40B4-BE49-F238E27FC236}">
+                <a16:creationId xmlns:a16="http://schemas.microsoft.com/office/drawing/2014/main" id="{89EA3348-214A-487B-B1F7-DE9F08A2091E}"/>
+              </a:ext>
+            </a:extLst>
+          </p:cNvPr>
+          <p:cNvSpPr txBox="1"/>
           <p:nvPr/>
         </p:nvSpPr>
         <p:spPr>
           <a:xfrm>
-            <a:off x="5058468" y="1293461"/>
-            <a:ext cx="484632" cy="537768"/>
-          </a:xfrm>
-          <a:prstGeom prst="upArrow">
-            <a:avLst/>
-          </a:prstGeom>
-        </p:spPr>
-        <p:style>
-          <a:lnRef idx="2">
-            <a:schemeClr val="accent1">
-              <a:shade val="50000"/>
-            </a:schemeClr>
-          </a:lnRef>
-          <a:fillRef idx="1">
-            <a:schemeClr val="accent1"/>
-          </a:fillRef>
-          <a:effectRef idx="0">
-            <a:schemeClr val="accent1"/>
-          </a:effectRef>
-          <a:fontRef idx="minor">
-            <a:schemeClr val="lt1"/>
-          </a:fontRef>
-        </p:style>
-        <p:txBody>
-          <a:bodyPr rtlCol="0" anchor="ctr"/>
-          <a:lstStyle/>
-          <a:p>
-            <a:pPr algn="ctr"/>
-            <a:endParaRPr lang="zh-CN" altLang="en-US" dirty="0"/>
-          </a:p>
-        </p:txBody>
-      </p:sp>
-      <p:sp>
-        <p:nvSpPr>
-          <p:cNvPr id="42" name="箭头: 上 41">
-            <a:extLst>
-              <a:ext uri="{FF2B5EF4-FFF2-40B4-BE49-F238E27FC236}">
-                <a16:creationId xmlns:a16="http://schemas.microsoft.com/office/drawing/2014/main" id="{E3B1EA3A-D849-432E-A359-55E7DC43B79F}"/>
-              </a:ext>
-            </a:extLst>
-          </p:cNvPr>
-          <p:cNvSpPr/>
-          <p:nvPr/>
-        </p:nvSpPr>
-        <p:spPr>
-          <a:xfrm rot="10800000">
-            <a:off x="7484658" y="1293461"/>
-            <a:ext cx="484632" cy="537768"/>
-          </a:xfrm>
-          <a:prstGeom prst="upArrow">
-            <a:avLst/>
-          </a:prstGeom>
-        </p:spPr>
-        <p:style>
-          <a:lnRef idx="2">
-            <a:schemeClr val="accent1">
-              <a:shade val="50000"/>
-            </a:schemeClr>
-          </a:lnRef>
-          <a:fillRef idx="1">
-            <a:schemeClr val="accent1"/>
-          </a:fillRef>
-          <a:effectRef idx="0">
-            <a:schemeClr val="accent1"/>
-          </a:effectRef>
-          <a:fontRef idx="minor">
-            <a:schemeClr val="lt1"/>
-          </a:fontRef>
-        </p:style>
-        <p:txBody>
-          <a:bodyPr rtlCol="0" anchor="ctr"/>
-          <a:lstStyle/>
-          <a:p>
-            <a:pPr algn="ctr"/>
-            <a:endParaRPr lang="zh-CN" altLang="en-US" dirty="0"/>
-          </a:p>
-        </p:txBody>
-      </p:sp>
-      <p:sp>
-        <p:nvSpPr>
-          <p:cNvPr id="43" name="文本框 42">
-            <a:extLst>
-              <a:ext uri="{FF2B5EF4-FFF2-40B4-BE49-F238E27FC236}">
-                <a16:creationId xmlns:a16="http://schemas.microsoft.com/office/drawing/2014/main" id="{A888808C-F1DC-4F25-B089-093505A74B83}"/>
-              </a:ext>
-            </a:extLst>
-          </p:cNvPr>
-          <p:cNvSpPr txBox="1"/>
-          <p:nvPr/>
-        </p:nvSpPr>
-        <p:spPr>
-          <a:xfrm>
-            <a:off x="1804131" y="1235716"/>
-            <a:ext cx="3387435" cy="646331"/>
+            <a:off x="7836204" y="1279033"/>
+            <a:ext cx="3387435" cy="369332"/>
           </a:xfrm>
           <a:prstGeom prst="rect">
             <a:avLst/>
@@ -4893,17 +4649,105 @@
           </a:bodyPr>
           <a:lstStyle/>
           <a:p>
-            <a:pPr algn="r"/>
             <a:r>
               <a:rPr lang="en-US" altLang="zh-CN" dirty="0"/>
               <a:t>Status</a:t>
             </a:r>
-          </a:p>
-          <a:p>
-            <a:pPr algn="r"/>
+            <a:endParaRPr lang="zh-CN" altLang="en-US" dirty="0"/>
+          </a:p>
+        </p:txBody>
+      </p:sp>
+      <p:sp>
+        <p:nvSpPr>
+          <p:cNvPr id="14" name="箭头: 左右 13">
+            <a:extLst>
+              <a:ext uri="{FF2B5EF4-FFF2-40B4-BE49-F238E27FC236}">
+                <a16:creationId xmlns:a16="http://schemas.microsoft.com/office/drawing/2014/main" id="{3981AA9E-8FBD-482E-B662-FE46C58F3F1A}"/>
+              </a:ext>
+            </a:extLst>
+          </p:cNvPr>
+          <p:cNvSpPr/>
+          <p:nvPr/>
+        </p:nvSpPr>
+        <p:spPr>
+          <a:xfrm>
+            <a:off x="5261673" y="5634794"/>
+            <a:ext cx="2574534" cy="484632"/>
+          </a:xfrm>
+          <a:prstGeom prst="leftRightArrow">
+            <a:avLst/>
+          </a:prstGeom>
+        </p:spPr>
+        <p:style>
+          <a:lnRef idx="2">
+            <a:schemeClr val="accent1">
+              <a:shade val="50000"/>
+            </a:schemeClr>
+          </a:lnRef>
+          <a:fillRef idx="1">
+            <a:schemeClr val="accent1"/>
+          </a:fillRef>
+          <a:effectRef idx="0">
+            <a:schemeClr val="accent1"/>
+          </a:effectRef>
+          <a:fontRef idx="minor">
+            <a:schemeClr val="lt1"/>
+          </a:fontRef>
+        </p:style>
+        <p:txBody>
+          <a:bodyPr rtlCol="0" anchor="ctr"/>
+          <a:lstStyle/>
+          <a:p>
+            <a:pPr algn="ctr"/>
+            <a:endParaRPr lang="zh-CN" altLang="en-US"/>
+          </a:p>
+        </p:txBody>
+      </p:sp>
+      <p:sp>
+        <p:nvSpPr>
+          <p:cNvPr id="46" name="矩形 45">
+            <a:extLst>
+              <a:ext uri="{FF2B5EF4-FFF2-40B4-BE49-F238E27FC236}">
+                <a16:creationId xmlns:a16="http://schemas.microsoft.com/office/drawing/2014/main" id="{1E7C379B-BA90-4FAF-AED8-43DA21734947}"/>
+              </a:ext>
+            </a:extLst>
+          </p:cNvPr>
+          <p:cNvSpPr/>
+          <p:nvPr/>
+        </p:nvSpPr>
+        <p:spPr>
+          <a:xfrm>
+            <a:off x="2010630" y="2766729"/>
+            <a:ext cx="9076617" cy="397565"/>
+          </a:xfrm>
+          <a:prstGeom prst="rect">
+            <a:avLst/>
+          </a:prstGeom>
+        </p:spPr>
+        <p:style>
+          <a:lnRef idx="2">
+            <a:schemeClr val="accent6">
+              <a:shade val="50000"/>
+            </a:schemeClr>
+          </a:lnRef>
+          <a:fillRef idx="1">
+            <a:schemeClr val="accent6"/>
+          </a:fillRef>
+          <a:effectRef idx="0">
+            <a:schemeClr val="accent6"/>
+          </a:effectRef>
+          <a:fontRef idx="minor">
+            <a:schemeClr val="lt1"/>
+          </a:fontRef>
+        </p:style>
+        <p:txBody>
+          <a:bodyPr rtlCol="0" anchor="ctr"/>
+          <a:lstStyle/>
+          <a:p>
+            <a:pPr algn="ctr"/>
             <a:r>
               <a:rPr lang="en-US" altLang="zh-CN" dirty="0"/>
-              <a:t>Statistic Information</a:t>
+              <a:t>NATS</a:t>
             </a:r>
             <a:endParaRPr lang="zh-CN" altLang="en-US" dirty="0"/>
           </a:p>
@@ -4911,10 +4755,148 @@
       </p:sp>
       <p:sp>
         <p:nvSpPr>
-          <p:cNvPr id="44" name="文本框 43">
-            <a:extLst>
-              <a:ext uri="{FF2B5EF4-FFF2-40B4-BE49-F238E27FC236}">
-                <a16:creationId xmlns:a16="http://schemas.microsoft.com/office/drawing/2014/main" id="{89EA3348-214A-487B-B1F7-DE9F08A2091E}"/>
+          <p:cNvPr id="48" name="箭头: 左右 47">
+            <a:extLst>
+              <a:ext uri="{FF2B5EF4-FFF2-40B4-BE49-F238E27FC236}">
+                <a16:creationId xmlns:a16="http://schemas.microsoft.com/office/drawing/2014/main" id="{FBE41C71-52CF-4D1C-AB39-86FC7FCD96D2}"/>
+              </a:ext>
+            </a:extLst>
+          </p:cNvPr>
+          <p:cNvSpPr/>
+          <p:nvPr/>
+        </p:nvSpPr>
+        <p:spPr>
+          <a:xfrm rot="5400000">
+            <a:off x="3488074" y="3311394"/>
+            <a:ext cx="577582" cy="278490"/>
+          </a:xfrm>
+          <a:prstGeom prst="leftRightArrow">
+            <a:avLst/>
+          </a:prstGeom>
+        </p:spPr>
+        <p:style>
+          <a:lnRef idx="2">
+            <a:schemeClr val="accent1">
+              <a:shade val="50000"/>
+            </a:schemeClr>
+          </a:lnRef>
+          <a:fillRef idx="1">
+            <a:schemeClr val="accent1"/>
+          </a:fillRef>
+          <a:effectRef idx="0">
+            <a:schemeClr val="accent1"/>
+          </a:effectRef>
+          <a:fontRef idx="minor">
+            <a:schemeClr val="lt1"/>
+          </a:fontRef>
+        </p:style>
+        <p:txBody>
+          <a:bodyPr rtlCol="0" anchor="ctr"/>
+          <a:lstStyle/>
+          <a:p>
+            <a:pPr algn="ctr"/>
+            <a:endParaRPr lang="zh-CN" altLang="en-US" dirty="0"/>
+          </a:p>
+        </p:txBody>
+      </p:sp>
+      <p:sp>
+        <p:nvSpPr>
+          <p:cNvPr id="49" name="箭头: 左右 48">
+            <a:extLst>
+              <a:ext uri="{FF2B5EF4-FFF2-40B4-BE49-F238E27FC236}">
+                <a16:creationId xmlns:a16="http://schemas.microsoft.com/office/drawing/2014/main" id="{28F48FE9-35AC-4310-9106-784769BFED5D}"/>
+              </a:ext>
+            </a:extLst>
+          </p:cNvPr>
+          <p:cNvSpPr/>
+          <p:nvPr/>
+        </p:nvSpPr>
+        <p:spPr>
+          <a:xfrm rot="5400000">
+            <a:off x="9032221" y="3302946"/>
+            <a:ext cx="577582" cy="278490"/>
+          </a:xfrm>
+          <a:prstGeom prst="leftRightArrow">
+            <a:avLst/>
+          </a:prstGeom>
+        </p:spPr>
+        <p:style>
+          <a:lnRef idx="2">
+            <a:schemeClr val="accent1">
+              <a:shade val="50000"/>
+            </a:schemeClr>
+          </a:lnRef>
+          <a:fillRef idx="1">
+            <a:schemeClr val="accent1"/>
+          </a:fillRef>
+          <a:effectRef idx="0">
+            <a:schemeClr val="accent1"/>
+          </a:effectRef>
+          <a:fontRef idx="minor">
+            <a:schemeClr val="lt1"/>
+          </a:fontRef>
+        </p:style>
+        <p:txBody>
+          <a:bodyPr rtlCol="0" anchor="ctr"/>
+          <a:lstStyle/>
+          <a:p>
+            <a:pPr algn="ctr"/>
+            <a:endParaRPr lang="zh-CN" altLang="en-US" dirty="0"/>
+          </a:p>
+        </p:txBody>
+      </p:sp>
+      <p:sp>
+        <p:nvSpPr>
+          <p:cNvPr id="50" name="箭头: 左右 49">
+            <a:extLst>
+              <a:ext uri="{FF2B5EF4-FFF2-40B4-BE49-F238E27FC236}">
+                <a16:creationId xmlns:a16="http://schemas.microsoft.com/office/drawing/2014/main" id="{3F4804B7-0660-4A1A-8DD0-431C4041A811}"/>
+              </a:ext>
+            </a:extLst>
+          </p:cNvPr>
+          <p:cNvSpPr/>
+          <p:nvPr/>
+        </p:nvSpPr>
+        <p:spPr>
+          <a:xfrm rot="5400000">
+            <a:off x="6260147" y="2341138"/>
+            <a:ext cx="577582" cy="278490"/>
+          </a:xfrm>
+          <a:prstGeom prst="leftRightArrow">
+            <a:avLst/>
+          </a:prstGeom>
+        </p:spPr>
+        <p:style>
+          <a:lnRef idx="2">
+            <a:schemeClr val="accent1">
+              <a:shade val="50000"/>
+            </a:schemeClr>
+          </a:lnRef>
+          <a:fillRef idx="1">
+            <a:schemeClr val="accent1"/>
+          </a:fillRef>
+          <a:effectRef idx="0">
+            <a:schemeClr val="accent1"/>
+          </a:effectRef>
+          <a:fontRef idx="minor">
+            <a:schemeClr val="lt1"/>
+          </a:fontRef>
+        </p:style>
+        <p:txBody>
+          <a:bodyPr rtlCol="0" anchor="ctr"/>
+          <a:lstStyle/>
+          <a:p>
+            <a:pPr algn="ctr"/>
+            <a:endParaRPr lang="zh-CN" altLang="en-US" dirty="0"/>
+          </a:p>
+        </p:txBody>
+      </p:sp>
+      <p:sp>
+        <p:nvSpPr>
+          <p:cNvPr id="52" name="文本框 51">
+            <a:extLst>
+              <a:ext uri="{FF2B5EF4-FFF2-40B4-BE49-F238E27FC236}">
+                <a16:creationId xmlns:a16="http://schemas.microsoft.com/office/drawing/2014/main" id="{2FCB8093-AFBC-4611-8FCA-9263C9B80227}"/>
               </a:ext>
             </a:extLst>
           </p:cNvPr>
@@ -4923,8 +4905,8 @@
         </p:nvSpPr>
         <p:spPr>
           <a:xfrm>
-            <a:off x="7836204" y="1279033"/>
-            <a:ext cx="3387435" cy="369332"/>
+            <a:off x="3838850" y="3101326"/>
+            <a:ext cx="3124915" cy="646331"/>
           </a:xfrm>
           <a:prstGeom prst="rect">
             <a:avLst/>
@@ -4958,72 +4940,31 @@
               <a:rPr lang="en-US" altLang="zh-CN" dirty="0"/>
               <a:t>Status</a:t>
             </a:r>
-            <a:endParaRPr lang="zh-CN" altLang="en-US" dirty="0"/>
-          </a:p>
-        </p:txBody>
-      </p:sp>
-      <p:sp>
-        <p:nvSpPr>
-          <p:cNvPr id="14" name="箭头: 左右 13">
-            <a:extLst>
-              <a:ext uri="{FF2B5EF4-FFF2-40B4-BE49-F238E27FC236}">
-                <a16:creationId xmlns:a16="http://schemas.microsoft.com/office/drawing/2014/main" id="{3981AA9E-8FBD-482E-B662-FE46C58F3F1A}"/>
-              </a:ext>
-            </a:extLst>
-          </p:cNvPr>
-          <p:cNvSpPr/>
+          </a:p>
+          <a:p>
+            <a:r>
+              <a:rPr lang="en-US" altLang="zh-CN" dirty="0"/>
+              <a:t>Statistic Information</a:t>
+            </a:r>
+          </a:p>
+        </p:txBody>
+      </p:sp>
+      <p:sp>
+        <p:nvSpPr>
+          <p:cNvPr id="53" name="文本框 52">
+            <a:extLst>
+              <a:ext uri="{FF2B5EF4-FFF2-40B4-BE49-F238E27FC236}">
+                <a16:creationId xmlns:a16="http://schemas.microsoft.com/office/drawing/2014/main" id="{28AF7E8F-3F22-4540-8906-FBF0D683DDC1}"/>
+              </a:ext>
+            </a:extLst>
+          </p:cNvPr>
+          <p:cNvSpPr txBox="1"/>
           <p:nvPr/>
         </p:nvSpPr>
         <p:spPr>
           <a:xfrm>
-            <a:off x="5261673" y="5634794"/>
-            <a:ext cx="2574534" cy="484632"/>
-          </a:xfrm>
-          <a:prstGeom prst="leftRightArrow">
-            <a:avLst/>
-          </a:prstGeom>
-        </p:spPr>
-        <p:style>
-          <a:lnRef idx="2">
-            <a:schemeClr val="accent1">
-              <a:shade val="50000"/>
-            </a:schemeClr>
-          </a:lnRef>
-          <a:fillRef idx="1">
-            <a:schemeClr val="accent1"/>
-          </a:fillRef>
-          <a:effectRef idx="0">
-            <a:schemeClr val="accent1"/>
-          </a:effectRef>
-          <a:fontRef idx="minor">
-            <a:schemeClr val="lt1"/>
-          </a:fontRef>
-        </p:style>
-        <p:txBody>
-          <a:bodyPr rtlCol="0" anchor="ctr"/>
-          <a:lstStyle/>
-          <a:p>
-            <a:pPr algn="ctr"/>
-            <a:endParaRPr lang="zh-CN" altLang="en-US"/>
-          </a:p>
-        </p:txBody>
-      </p:sp>
-      <p:sp>
-        <p:nvSpPr>
-          <p:cNvPr id="45" name="文本框 44">
-            <a:extLst>
-              <a:ext uri="{FF2B5EF4-FFF2-40B4-BE49-F238E27FC236}">
-                <a16:creationId xmlns:a16="http://schemas.microsoft.com/office/drawing/2014/main" id="{3FC77501-C8E2-48A3-80E3-D68B12FAE389}"/>
-              </a:ext>
-            </a:extLst>
-          </p:cNvPr>
-          <p:cNvSpPr txBox="1"/>
-          <p:nvPr/>
-        </p:nvSpPr>
-        <p:spPr>
-          <a:xfrm>
-            <a:off x="5414150" y="4295670"/>
-            <a:ext cx="2284114" cy="369332"/>
+            <a:off x="9388574" y="3118569"/>
+            <a:ext cx="3124915" cy="646331"/>
           </a:xfrm>
           <a:prstGeom prst="rect">
             <a:avLst/>
@@ -5053,12 +4994,480 @@
           </a:bodyPr>
           <a:lstStyle/>
           <a:p>
-            <a:pPr algn="ctr"/>
+            <a:r>
+              <a:rPr lang="en-US" altLang="zh-CN" dirty="0"/>
+              <a:t>Status</a:t>
+            </a:r>
+          </a:p>
+          <a:p>
             <a:r>
               <a:rPr lang="en-US" altLang="zh-CN" dirty="0"/>
               <a:t>Statistic Information</a:t>
             </a:r>
+          </a:p>
+        </p:txBody>
+      </p:sp>
+      <p:sp>
+        <p:nvSpPr>
+          <p:cNvPr id="54" name="文本框 53">
+            <a:extLst>
+              <a:ext uri="{FF2B5EF4-FFF2-40B4-BE49-F238E27FC236}">
+                <a16:creationId xmlns:a16="http://schemas.microsoft.com/office/drawing/2014/main" id="{BF886B59-6851-417E-AA2A-206073285622}"/>
+              </a:ext>
+            </a:extLst>
+          </p:cNvPr>
+          <p:cNvSpPr txBox="1"/>
+          <p:nvPr/>
+        </p:nvSpPr>
+        <p:spPr>
+          <a:xfrm>
+            <a:off x="610531" y="3267196"/>
+            <a:ext cx="3124915" cy="369332"/>
+          </a:xfrm>
+          <a:prstGeom prst="rect">
+            <a:avLst/>
+          </a:prstGeom>
+          <a:noFill/>
+          <a:ln>
+            <a:noFill/>
+          </a:ln>
+        </p:spPr>
+        <p:style>
+          <a:lnRef idx="0">
+            <a:scrgbClr r="0" g="0" b="0"/>
+          </a:lnRef>
+          <a:fillRef idx="0">
+            <a:scrgbClr r="0" g="0" b="0"/>
+          </a:fillRef>
+          <a:effectRef idx="0">
+            <a:scrgbClr r="0" g="0" b="0"/>
+          </a:effectRef>
+          <a:fontRef idx="minor">
+            <a:schemeClr val="accent1"/>
+          </a:fontRef>
+        </p:style>
+        <p:txBody>
+          <a:bodyPr wrap="square" rtlCol="0">
+            <a:spAutoFit/>
+          </a:bodyPr>
+          <a:lstStyle/>
+          <a:p>
+            <a:pPr algn="r"/>
+            <a:r>
+              <a:rPr lang="en-US" altLang="zh-CN" dirty="0"/>
+              <a:t>Signal</a:t>
+            </a:r>
+          </a:p>
+        </p:txBody>
+      </p:sp>
+      <p:sp>
+        <p:nvSpPr>
+          <p:cNvPr id="55" name="文本框 54">
+            <a:extLst>
+              <a:ext uri="{FF2B5EF4-FFF2-40B4-BE49-F238E27FC236}">
+                <a16:creationId xmlns:a16="http://schemas.microsoft.com/office/drawing/2014/main" id="{A3A1DA32-BED2-480D-9409-35404D53F034}"/>
+              </a:ext>
+            </a:extLst>
+          </p:cNvPr>
+          <p:cNvSpPr txBox="1"/>
+          <p:nvPr/>
+        </p:nvSpPr>
+        <p:spPr>
+          <a:xfrm>
+            <a:off x="6128539" y="3251762"/>
+            <a:ext cx="3124915" cy="369332"/>
+          </a:xfrm>
+          <a:prstGeom prst="rect">
+            <a:avLst/>
+          </a:prstGeom>
+          <a:noFill/>
+          <a:ln>
+            <a:noFill/>
+          </a:ln>
+        </p:spPr>
+        <p:style>
+          <a:lnRef idx="0">
+            <a:scrgbClr r="0" g="0" b="0"/>
+          </a:lnRef>
+          <a:fillRef idx="0">
+            <a:scrgbClr r="0" g="0" b="0"/>
+          </a:fillRef>
+          <a:effectRef idx="0">
+            <a:scrgbClr r="0" g="0" b="0"/>
+          </a:effectRef>
+          <a:fontRef idx="minor">
+            <a:schemeClr val="accent1"/>
+          </a:fontRef>
+        </p:style>
+        <p:txBody>
+          <a:bodyPr wrap="square" rtlCol="0">
+            <a:spAutoFit/>
+          </a:bodyPr>
+          <a:lstStyle/>
+          <a:p>
+            <a:pPr algn="r"/>
+            <a:r>
+              <a:rPr lang="en-US" altLang="zh-CN" dirty="0"/>
+              <a:t>Signal</a:t>
+            </a:r>
+          </a:p>
+        </p:txBody>
+      </p:sp>
+      <p:sp>
+        <p:nvSpPr>
+          <p:cNvPr id="56" name="文本框 55">
+            <a:extLst>
+              <a:ext uri="{FF2B5EF4-FFF2-40B4-BE49-F238E27FC236}">
+                <a16:creationId xmlns:a16="http://schemas.microsoft.com/office/drawing/2014/main" id="{2CBFBF6E-6F5F-4C31-837A-E1D026F80C73}"/>
+              </a:ext>
+            </a:extLst>
+          </p:cNvPr>
+          <p:cNvSpPr txBox="1"/>
+          <p:nvPr/>
+        </p:nvSpPr>
+        <p:spPr>
+          <a:xfrm>
+            <a:off x="6616499" y="2151570"/>
+            <a:ext cx="3124915" cy="646331"/>
+          </a:xfrm>
+          <a:prstGeom prst="rect">
+            <a:avLst/>
+          </a:prstGeom>
+          <a:noFill/>
+          <a:ln>
+            <a:noFill/>
+          </a:ln>
+        </p:spPr>
+        <p:style>
+          <a:lnRef idx="0">
+            <a:scrgbClr r="0" g="0" b="0"/>
+          </a:lnRef>
+          <a:fillRef idx="0">
+            <a:scrgbClr r="0" g="0" b="0"/>
+          </a:fillRef>
+          <a:effectRef idx="0">
+            <a:scrgbClr r="0" g="0" b="0"/>
+          </a:effectRef>
+          <a:fontRef idx="minor">
+            <a:schemeClr val="accent1"/>
+          </a:fontRef>
+        </p:style>
+        <p:txBody>
+          <a:bodyPr wrap="square" rtlCol="0">
+            <a:spAutoFit/>
+          </a:bodyPr>
+          <a:lstStyle/>
+          <a:p>
+            <a:r>
+              <a:rPr lang="en-US" altLang="zh-CN" dirty="0"/>
+              <a:t>Status</a:t>
+            </a:r>
+          </a:p>
+          <a:p>
+            <a:r>
+              <a:rPr lang="en-US" altLang="zh-CN" dirty="0"/>
+              <a:t>Statistic Information</a:t>
+            </a:r>
+          </a:p>
+        </p:txBody>
+      </p:sp>
+      <p:grpSp>
+        <p:nvGrpSpPr>
+          <p:cNvPr id="12" name="组合 11">
+            <a:extLst>
+              <a:ext uri="{FF2B5EF4-FFF2-40B4-BE49-F238E27FC236}">
+                <a16:creationId xmlns:a16="http://schemas.microsoft.com/office/drawing/2014/main" id="{951E0360-7B6C-4988-9FA7-A21D9761B643}"/>
+              </a:ext>
+            </a:extLst>
+          </p:cNvPr>
+          <p:cNvGrpSpPr/>
+          <p:nvPr/>
+        </p:nvGrpSpPr>
+        <p:grpSpPr>
+          <a:xfrm>
+            <a:off x="9040633" y="533016"/>
+            <a:ext cx="2046614" cy="1658575"/>
+            <a:chOff x="9040633" y="533016"/>
+            <a:chExt cx="2046614" cy="1658575"/>
+          </a:xfrm>
+        </p:grpSpPr>
+        <p:grpSp>
+          <p:nvGrpSpPr>
+            <p:cNvPr id="57" name="组合 56">
+              <a:extLst>
+                <a:ext uri="{FF2B5EF4-FFF2-40B4-BE49-F238E27FC236}">
+                  <a16:creationId xmlns:a16="http://schemas.microsoft.com/office/drawing/2014/main" id="{575993CA-009A-4A5E-B519-2A4483D78DED}"/>
+                </a:ext>
+              </a:extLst>
+            </p:cNvPr>
+            <p:cNvGrpSpPr/>
+            <p:nvPr/>
+          </p:nvGrpSpPr>
+          <p:grpSpPr>
+            <a:xfrm>
+              <a:off x="9040633" y="533016"/>
+              <a:ext cx="2046614" cy="1658575"/>
+              <a:chOff x="3108959" y="1180040"/>
+              <a:chExt cx="2417197" cy="1658575"/>
+            </a:xfrm>
+          </p:grpSpPr>
+          <p:sp>
+            <p:nvSpPr>
+              <p:cNvPr id="58" name="矩形 57">
+                <a:extLst>
+                  <a:ext uri="{FF2B5EF4-FFF2-40B4-BE49-F238E27FC236}">
+                    <a16:creationId xmlns:a16="http://schemas.microsoft.com/office/drawing/2014/main" id="{D659407E-3516-4EE0-8D25-5028CE6B0B0C}"/>
+                  </a:ext>
+                </a:extLst>
+              </p:cNvPr>
+              <p:cNvSpPr/>
+              <p:nvPr/>
+            </p:nvSpPr>
+            <p:spPr>
+              <a:xfrm>
+                <a:off x="3108959" y="1180040"/>
+                <a:ext cx="2417197" cy="1658575"/>
+              </a:xfrm>
+              <a:prstGeom prst="rect">
+                <a:avLst/>
+              </a:prstGeom>
+            </p:spPr>
+            <p:style>
+              <a:lnRef idx="2">
+                <a:schemeClr val="dk1"/>
+              </a:lnRef>
+              <a:fillRef idx="1">
+                <a:schemeClr val="lt1"/>
+              </a:fillRef>
+              <a:effectRef idx="0">
+                <a:schemeClr val="dk1"/>
+              </a:effectRef>
+              <a:fontRef idx="minor">
+                <a:schemeClr val="dk1"/>
+              </a:fontRef>
+            </p:style>
+            <p:txBody>
+              <a:bodyPr rtlCol="0" anchor="b"/>
+              <a:lstStyle/>
+              <a:p>
+                <a:pPr algn="ctr"/>
+                <a:r>
+                  <a:rPr lang="en-US" altLang="zh-CN" dirty="0"/>
+                  <a:t>ISLB</a:t>
+                </a:r>
+              </a:p>
+              <a:p>
+                <a:pPr algn="ctr"/>
+                <a:endParaRPr lang="en-US" altLang="zh-CN" dirty="0"/>
+              </a:p>
+              <a:p>
+                <a:pPr algn="ctr"/>
+                <a:endParaRPr lang="zh-CN" altLang="en-US" dirty="0"/>
+              </a:p>
+            </p:txBody>
+          </p:sp>
+          <p:sp>
+            <p:nvSpPr>
+              <p:cNvPr id="59" name="矩形 58">
+                <a:extLst>
+                  <a:ext uri="{FF2B5EF4-FFF2-40B4-BE49-F238E27FC236}">
+                    <a16:creationId xmlns:a16="http://schemas.microsoft.com/office/drawing/2014/main" id="{A6BD8328-3835-462F-B458-0FC461067942}"/>
+                  </a:ext>
+                </a:extLst>
+              </p:cNvPr>
+              <p:cNvSpPr/>
+              <p:nvPr/>
+            </p:nvSpPr>
+            <p:spPr>
+              <a:xfrm>
+                <a:off x="3349356" y="2441050"/>
+                <a:ext cx="1940118" cy="397565"/>
+              </a:xfrm>
+              <a:prstGeom prst="rect">
+                <a:avLst/>
+              </a:prstGeom>
+            </p:spPr>
+            <p:style>
+              <a:lnRef idx="2">
+                <a:schemeClr val="accent6">
+                  <a:shade val="50000"/>
+                </a:schemeClr>
+              </a:lnRef>
+              <a:fillRef idx="1">
+                <a:schemeClr val="accent6"/>
+              </a:fillRef>
+              <a:effectRef idx="0">
+                <a:schemeClr val="accent6"/>
+              </a:effectRef>
+              <a:fontRef idx="minor">
+                <a:schemeClr val="lt1"/>
+              </a:fontRef>
+            </p:style>
+            <p:txBody>
+              <a:bodyPr rtlCol="0" anchor="ctr"/>
+              <a:lstStyle/>
+              <a:p>
+                <a:pPr algn="ctr"/>
+                <a:r>
+                  <a:rPr lang="en-US" altLang="zh-CN" dirty="0"/>
+                  <a:t>NATS-GRPC</a:t>
+                </a:r>
+                <a:endParaRPr lang="zh-CN" altLang="en-US" dirty="0"/>
+              </a:p>
+            </p:txBody>
+          </p:sp>
+        </p:grpSp>
+        <p:sp>
+          <p:nvSpPr>
+            <p:cNvPr id="60" name="矩形 59">
+              <a:extLst>
+                <a:ext uri="{FF2B5EF4-FFF2-40B4-BE49-F238E27FC236}">
+                  <a16:creationId xmlns:a16="http://schemas.microsoft.com/office/drawing/2014/main" id="{20AB0CC0-DF29-4C5F-9983-B8ED22C84B83}"/>
+                </a:ext>
+              </a:extLst>
+            </p:cNvPr>
+            <p:cNvSpPr/>
+            <p:nvPr/>
+          </p:nvSpPr>
+          <p:spPr>
+            <a:xfrm>
+              <a:off x="9175803" y="625353"/>
+              <a:ext cx="1775229" cy="600988"/>
+            </a:xfrm>
+            <a:prstGeom prst="rect">
+              <a:avLst/>
+            </a:prstGeom>
+          </p:spPr>
+          <p:style>
+            <a:lnRef idx="2">
+              <a:schemeClr val="accent3">
+                <a:shade val="50000"/>
+              </a:schemeClr>
+            </a:lnRef>
+            <a:fillRef idx="1">
+              <a:schemeClr val="accent3"/>
+            </a:fillRef>
+            <a:effectRef idx="0">
+              <a:schemeClr val="accent3"/>
+            </a:effectRef>
+            <a:fontRef idx="minor">
+              <a:schemeClr val="lt1"/>
+            </a:fontRef>
+          </p:style>
+          <p:txBody>
+            <a:bodyPr rtlCol="0" anchor="ctr"/>
+            <a:lstStyle/>
+            <a:p>
+              <a:pPr algn="ctr"/>
+              <a:r>
+                <a:rPr lang="en-US" altLang="zh-CN" dirty="0"/>
+                <a:t>Database</a:t>
+              </a:r>
+            </a:p>
+          </p:txBody>
+        </p:sp>
+      </p:grpSp>
+      <p:sp>
+        <p:nvSpPr>
+          <p:cNvPr id="61" name="箭头: 左右 60">
+            <a:extLst>
+              <a:ext uri="{FF2B5EF4-FFF2-40B4-BE49-F238E27FC236}">
+                <a16:creationId xmlns:a16="http://schemas.microsoft.com/office/drawing/2014/main" id="{7E170B2C-7495-4A70-B414-1FFF769E536D}"/>
+              </a:ext>
+            </a:extLst>
+          </p:cNvPr>
+          <p:cNvSpPr/>
+          <p:nvPr/>
+        </p:nvSpPr>
+        <p:spPr>
+          <a:xfrm rot="5400000">
+            <a:off x="9774626" y="2334452"/>
+            <a:ext cx="577582" cy="278490"/>
+          </a:xfrm>
+          <a:prstGeom prst="leftRightArrow">
+            <a:avLst/>
+          </a:prstGeom>
+        </p:spPr>
+        <p:style>
+          <a:lnRef idx="2">
+            <a:schemeClr val="accent1">
+              <a:shade val="50000"/>
+            </a:schemeClr>
+          </a:lnRef>
+          <a:fillRef idx="1">
+            <a:schemeClr val="accent1"/>
+          </a:fillRef>
+          <a:effectRef idx="0">
+            <a:schemeClr val="accent1"/>
+          </a:effectRef>
+          <a:fontRef idx="minor">
+            <a:schemeClr val="lt1"/>
+          </a:fontRef>
+        </p:style>
+        <p:txBody>
+          <a:bodyPr rtlCol="0" anchor="ctr"/>
+          <a:lstStyle/>
+          <a:p>
+            <a:pPr algn="ctr"/>
             <a:endParaRPr lang="zh-CN" altLang="en-US" dirty="0"/>
+          </a:p>
+        </p:txBody>
+      </p:sp>
+      <p:sp>
+        <p:nvSpPr>
+          <p:cNvPr id="62" name="文本框 61">
+            <a:extLst>
+              <a:ext uri="{FF2B5EF4-FFF2-40B4-BE49-F238E27FC236}">
+                <a16:creationId xmlns:a16="http://schemas.microsoft.com/office/drawing/2014/main" id="{A835A55A-CF0A-4BC1-A3D0-0EB065924C91}"/>
+              </a:ext>
+            </a:extLst>
+          </p:cNvPr>
+          <p:cNvSpPr txBox="1"/>
+          <p:nvPr/>
+        </p:nvSpPr>
+        <p:spPr>
+          <a:xfrm>
+            <a:off x="10148969" y="2144611"/>
+            <a:ext cx="3124915" cy="646331"/>
+          </a:xfrm>
+          <a:prstGeom prst="rect">
+            <a:avLst/>
+          </a:prstGeom>
+          <a:noFill/>
+          <a:ln>
+            <a:noFill/>
+          </a:ln>
+        </p:spPr>
+        <p:style>
+          <a:lnRef idx="0">
+            <a:scrgbClr r="0" g="0" b="0"/>
+          </a:lnRef>
+          <a:fillRef idx="0">
+            <a:scrgbClr r="0" g="0" b="0"/>
+          </a:fillRef>
+          <a:effectRef idx="0">
+            <a:scrgbClr r="0" g="0" b="0"/>
+          </a:effectRef>
+          <a:fontRef idx="minor">
+            <a:schemeClr val="accent1"/>
+          </a:fontRef>
+        </p:style>
+        <p:txBody>
+          <a:bodyPr wrap="square" rtlCol="0">
+            <a:spAutoFit/>
+          </a:bodyPr>
+          <a:lstStyle/>
+          <a:p>
+            <a:r>
+              <a:rPr lang="en-US" altLang="zh-CN" dirty="0"/>
+              <a:t>Service Registry</a:t>
+            </a:r>
+          </a:p>
+          <a:p>
+            <a:r>
+              <a:rPr lang="en-US" altLang="zh-CN" dirty="0"/>
+              <a:t>Service Search</a:t>
+            </a:r>
           </a:p>
         </p:txBody>
       </p:sp>
@@ -6377,10 +6786,1591 @@
           </a:p>
         </p:txBody>
       </p:sp>
+      <p:grpSp>
+        <p:nvGrpSpPr>
+          <p:cNvPr id="36" name="组合 35">
+            <a:extLst>
+              <a:ext uri="{FF2B5EF4-FFF2-40B4-BE49-F238E27FC236}">
+                <a16:creationId xmlns:a16="http://schemas.microsoft.com/office/drawing/2014/main" id="{27B08162-DACE-4D7A-B0D9-4965DF522452}"/>
+              </a:ext>
+            </a:extLst>
+          </p:cNvPr>
+          <p:cNvGrpSpPr/>
+          <p:nvPr/>
+        </p:nvGrpSpPr>
+        <p:grpSpPr>
+          <a:xfrm>
+            <a:off x="1136163" y="1424134"/>
+            <a:ext cx="2046614" cy="1658575"/>
+            <a:chOff x="9040633" y="533016"/>
+            <a:chExt cx="2046614" cy="1658575"/>
+          </a:xfrm>
+        </p:grpSpPr>
+        <p:grpSp>
+          <p:nvGrpSpPr>
+            <p:cNvPr id="37" name="组合 36">
+              <a:extLst>
+                <a:ext uri="{FF2B5EF4-FFF2-40B4-BE49-F238E27FC236}">
+                  <a16:creationId xmlns:a16="http://schemas.microsoft.com/office/drawing/2014/main" id="{490D01BF-3788-4D94-A1EA-3029760DD091}"/>
+                </a:ext>
+              </a:extLst>
+            </p:cNvPr>
+            <p:cNvGrpSpPr/>
+            <p:nvPr/>
+          </p:nvGrpSpPr>
+          <p:grpSpPr>
+            <a:xfrm>
+              <a:off x="9040633" y="533016"/>
+              <a:ext cx="2046614" cy="1658575"/>
+              <a:chOff x="3108959" y="1180040"/>
+              <a:chExt cx="2417197" cy="1658575"/>
+            </a:xfrm>
+          </p:grpSpPr>
+          <p:sp>
+            <p:nvSpPr>
+              <p:cNvPr id="39" name="矩形 38">
+                <a:extLst>
+                  <a:ext uri="{FF2B5EF4-FFF2-40B4-BE49-F238E27FC236}">
+                    <a16:creationId xmlns:a16="http://schemas.microsoft.com/office/drawing/2014/main" id="{A44471F1-7B45-408D-9D66-2B4FB4C1A736}"/>
+                  </a:ext>
+                </a:extLst>
+              </p:cNvPr>
+              <p:cNvSpPr/>
+              <p:nvPr/>
+            </p:nvSpPr>
+            <p:spPr>
+              <a:xfrm>
+                <a:off x="3108959" y="1180040"/>
+                <a:ext cx="2417197" cy="1658575"/>
+              </a:xfrm>
+              <a:prstGeom prst="rect">
+                <a:avLst/>
+              </a:prstGeom>
+            </p:spPr>
+            <p:style>
+              <a:lnRef idx="2">
+                <a:schemeClr val="dk1"/>
+              </a:lnRef>
+              <a:fillRef idx="1">
+                <a:schemeClr val="lt1"/>
+              </a:fillRef>
+              <a:effectRef idx="0">
+                <a:schemeClr val="dk1"/>
+              </a:effectRef>
+              <a:fontRef idx="minor">
+                <a:schemeClr val="dk1"/>
+              </a:fontRef>
+            </p:style>
+            <p:txBody>
+              <a:bodyPr rtlCol="0" anchor="b"/>
+              <a:lstStyle/>
+              <a:p>
+                <a:pPr algn="ctr"/>
+                <a:r>
+                  <a:rPr lang="en-US" altLang="zh-CN" dirty="0"/>
+                  <a:t>ISLB</a:t>
+                </a:r>
+              </a:p>
+              <a:p>
+                <a:pPr algn="ctr"/>
+                <a:endParaRPr lang="en-US" altLang="zh-CN" dirty="0"/>
+              </a:p>
+              <a:p>
+                <a:pPr algn="ctr"/>
+                <a:endParaRPr lang="zh-CN" altLang="en-US" dirty="0"/>
+              </a:p>
+            </p:txBody>
+          </p:sp>
+          <p:sp>
+            <p:nvSpPr>
+              <p:cNvPr id="40" name="矩形 39">
+                <a:extLst>
+                  <a:ext uri="{FF2B5EF4-FFF2-40B4-BE49-F238E27FC236}">
+                    <a16:creationId xmlns:a16="http://schemas.microsoft.com/office/drawing/2014/main" id="{92EC13EA-9530-4700-A412-2E4E62F43278}"/>
+                  </a:ext>
+                </a:extLst>
+              </p:cNvPr>
+              <p:cNvSpPr/>
+              <p:nvPr/>
+            </p:nvSpPr>
+            <p:spPr>
+              <a:xfrm>
+                <a:off x="3349356" y="2441050"/>
+                <a:ext cx="1940118" cy="397565"/>
+              </a:xfrm>
+              <a:prstGeom prst="rect">
+                <a:avLst/>
+              </a:prstGeom>
+            </p:spPr>
+            <p:style>
+              <a:lnRef idx="2">
+                <a:schemeClr val="accent6">
+                  <a:shade val="50000"/>
+                </a:schemeClr>
+              </a:lnRef>
+              <a:fillRef idx="1">
+                <a:schemeClr val="accent6"/>
+              </a:fillRef>
+              <a:effectRef idx="0">
+                <a:schemeClr val="accent6"/>
+              </a:effectRef>
+              <a:fontRef idx="minor">
+                <a:schemeClr val="lt1"/>
+              </a:fontRef>
+            </p:style>
+            <p:txBody>
+              <a:bodyPr rtlCol="0" anchor="ctr"/>
+              <a:lstStyle/>
+              <a:p>
+                <a:pPr algn="ctr"/>
+                <a:r>
+                  <a:rPr lang="en-US" altLang="zh-CN" dirty="0"/>
+                  <a:t>NATS-GRPC</a:t>
+                </a:r>
+                <a:endParaRPr lang="zh-CN" altLang="en-US" dirty="0"/>
+              </a:p>
+            </p:txBody>
+          </p:sp>
+        </p:grpSp>
+        <p:sp>
+          <p:nvSpPr>
+            <p:cNvPr id="38" name="矩形 37">
+              <a:extLst>
+                <a:ext uri="{FF2B5EF4-FFF2-40B4-BE49-F238E27FC236}">
+                  <a16:creationId xmlns:a16="http://schemas.microsoft.com/office/drawing/2014/main" id="{318D42C6-DD70-43DB-94B3-0AD4A29C96B1}"/>
+                </a:ext>
+              </a:extLst>
+            </p:cNvPr>
+            <p:cNvSpPr/>
+            <p:nvPr/>
+          </p:nvSpPr>
+          <p:spPr>
+            <a:xfrm>
+              <a:off x="9175803" y="625353"/>
+              <a:ext cx="1775229" cy="600988"/>
+            </a:xfrm>
+            <a:prstGeom prst="rect">
+              <a:avLst/>
+            </a:prstGeom>
+          </p:spPr>
+          <p:style>
+            <a:lnRef idx="2">
+              <a:schemeClr val="accent3">
+                <a:shade val="50000"/>
+              </a:schemeClr>
+            </a:lnRef>
+            <a:fillRef idx="1">
+              <a:schemeClr val="accent3"/>
+            </a:fillRef>
+            <a:effectRef idx="0">
+              <a:schemeClr val="accent3"/>
+            </a:effectRef>
+            <a:fontRef idx="minor">
+              <a:schemeClr val="lt1"/>
+            </a:fontRef>
+          </p:style>
+          <p:txBody>
+            <a:bodyPr rtlCol="0" anchor="ctr"/>
+            <a:lstStyle/>
+            <a:p>
+              <a:pPr algn="ctr"/>
+              <a:r>
+                <a:rPr lang="en-US" altLang="zh-CN" dirty="0"/>
+                <a:t>Database</a:t>
+              </a:r>
+            </a:p>
+          </p:txBody>
+        </p:sp>
+      </p:grpSp>
+      <p:sp>
+        <p:nvSpPr>
+          <p:cNvPr id="42" name="文本框 41">
+            <a:extLst>
+              <a:ext uri="{FF2B5EF4-FFF2-40B4-BE49-F238E27FC236}">
+                <a16:creationId xmlns:a16="http://schemas.microsoft.com/office/drawing/2014/main" id="{50D66D09-4739-4F90-9FF3-5AE2BE43E81B}"/>
+              </a:ext>
+            </a:extLst>
+          </p:cNvPr>
+          <p:cNvSpPr txBox="1"/>
+          <p:nvPr/>
+        </p:nvSpPr>
+        <p:spPr>
+          <a:xfrm>
+            <a:off x="2021613" y="5998072"/>
+            <a:ext cx="3124915" cy="369332"/>
+          </a:xfrm>
+          <a:prstGeom prst="rect">
+            <a:avLst/>
+          </a:prstGeom>
+          <a:noFill/>
+          <a:ln>
+            <a:noFill/>
+          </a:ln>
+        </p:spPr>
+        <p:style>
+          <a:lnRef idx="0">
+            <a:scrgbClr r="0" g="0" b="0"/>
+          </a:lnRef>
+          <a:fillRef idx="0">
+            <a:scrgbClr r="0" g="0" b="0"/>
+          </a:fillRef>
+          <a:effectRef idx="0">
+            <a:scrgbClr r="0" g="0" b="0"/>
+          </a:effectRef>
+          <a:fontRef idx="minor">
+            <a:schemeClr val="accent1"/>
+          </a:fontRef>
+        </p:style>
+        <p:txBody>
+          <a:bodyPr wrap="square" rtlCol="0">
+            <a:spAutoFit/>
+          </a:bodyPr>
+          <a:lstStyle/>
+          <a:p>
+            <a:r>
+              <a:rPr lang="en-US" altLang="zh-CN" dirty="0"/>
+              <a:t>Service Search</a:t>
+            </a:r>
+          </a:p>
+        </p:txBody>
+      </p:sp>
+      <p:sp>
+        <p:nvSpPr>
+          <p:cNvPr id="2" name="箭头: 直角双向 1">
+            <a:extLst>
+              <a:ext uri="{FF2B5EF4-FFF2-40B4-BE49-F238E27FC236}">
+                <a16:creationId xmlns:a16="http://schemas.microsoft.com/office/drawing/2014/main" id="{E3DF6CAD-C532-4ADF-8C43-4A2D9965F528}"/>
+              </a:ext>
+            </a:extLst>
+          </p:cNvPr>
+          <p:cNvSpPr/>
+          <p:nvPr/>
+        </p:nvSpPr>
+        <p:spPr>
+          <a:xfrm rot="5400000">
+            <a:off x="1664976" y="3432662"/>
+            <a:ext cx="3021425" cy="2308150"/>
+          </a:xfrm>
+          <a:prstGeom prst="leftUpArrow">
+            <a:avLst>
+              <a:gd name="adj1" fmla="val 5740"/>
+              <a:gd name="adj2" fmla="val 6036"/>
+              <a:gd name="adj3" fmla="val 5635"/>
+            </a:avLst>
+          </a:prstGeom>
+        </p:spPr>
+        <p:style>
+          <a:lnRef idx="2">
+            <a:schemeClr val="accent1">
+              <a:shade val="50000"/>
+            </a:schemeClr>
+          </a:lnRef>
+          <a:fillRef idx="1">
+            <a:schemeClr val="accent1"/>
+          </a:fillRef>
+          <a:effectRef idx="0">
+            <a:schemeClr val="accent1"/>
+          </a:effectRef>
+          <a:fontRef idx="minor">
+            <a:schemeClr val="lt1"/>
+          </a:fontRef>
+        </p:style>
+        <p:txBody>
+          <a:bodyPr rtlCol="0" anchor="ctr"/>
+          <a:lstStyle/>
+          <a:p>
+            <a:pPr algn="ctr"/>
+            <a:endParaRPr lang="zh-CN" altLang="en-US"/>
+          </a:p>
+        </p:txBody>
+      </p:sp>
     </p:spTree>
     <p:extLst>
       <p:ext uri="{BB962C8B-B14F-4D97-AF65-F5344CB8AC3E}">
         <p14:creationId xmlns:p14="http://schemas.microsoft.com/office/powerpoint/2010/main" val="2425657928"/>
+      </p:ext>
+    </p:extLst>
+  </p:cSld>
+  <p:clrMapOvr>
+    <a:masterClrMapping/>
+  </p:clrMapOvr>
+</p:sld>
+</file>
+
+<file path=ppt/slides/slide3.xml><?xml version="1.0" encoding="utf-8"?>
+<p:sld xmlns:a="http://schemas.openxmlformats.org/drawingml/2006/main" xmlns:r="http://schemas.openxmlformats.org/officeDocument/2006/relationships" xmlns:p="http://schemas.openxmlformats.org/presentationml/2006/main">
+  <p:cSld>
+    <p:spTree>
+      <p:nvGrpSpPr>
+        <p:cNvPr id="1" name=""/>
+        <p:cNvGrpSpPr/>
+        <p:nvPr/>
+      </p:nvGrpSpPr>
+      <p:grpSpPr>
+        <a:xfrm>
+          <a:off x="0" y="0"/>
+          <a:ext cx="0" cy="0"/>
+          <a:chOff x="0" y="0"/>
+          <a:chExt cx="0" cy="0"/>
+        </a:xfrm>
+      </p:grpSpPr>
+      <p:sp>
+        <p:nvSpPr>
+          <p:cNvPr id="12" name="矩形 11">
+            <a:extLst>
+              <a:ext uri="{FF2B5EF4-FFF2-40B4-BE49-F238E27FC236}">
+                <a16:creationId xmlns:a16="http://schemas.microsoft.com/office/drawing/2014/main" id="{C45D8616-1F99-4937-BCF5-A93ED06FD4C3}"/>
+              </a:ext>
+            </a:extLst>
+          </p:cNvPr>
+          <p:cNvSpPr/>
+          <p:nvPr/>
+        </p:nvSpPr>
+        <p:spPr>
+          <a:xfrm>
+            <a:off x="4329765" y="1423615"/>
+            <a:ext cx="3532470" cy="3251753"/>
+          </a:xfrm>
+          <a:prstGeom prst="rect">
+            <a:avLst/>
+          </a:prstGeom>
+        </p:spPr>
+        <p:style>
+          <a:lnRef idx="2">
+            <a:schemeClr val="dk1"/>
+          </a:lnRef>
+          <a:fillRef idx="1">
+            <a:schemeClr val="lt1"/>
+          </a:fillRef>
+          <a:effectRef idx="0">
+            <a:schemeClr val="dk1"/>
+          </a:effectRef>
+          <a:fontRef idx="minor">
+            <a:schemeClr val="dk1"/>
+          </a:fontRef>
+        </p:style>
+        <p:txBody>
+          <a:bodyPr rtlCol="0" anchor="t"/>
+          <a:lstStyle/>
+          <a:p>
+            <a:pPr algn="ctr"/>
+            <a:endParaRPr lang="en-US" altLang="zh-CN" dirty="0"/>
+          </a:p>
+          <a:p>
+            <a:pPr algn="ctr"/>
+            <a:endParaRPr lang="en-US" altLang="zh-CN" dirty="0"/>
+          </a:p>
+          <a:p>
+            <a:pPr algn="ctr"/>
+            <a:r>
+              <a:rPr lang="en-US" altLang="zh-CN" dirty="0"/>
+              <a:t>SXU</a:t>
+            </a:r>
+            <a:endParaRPr lang="zh-CN" altLang="en-US" dirty="0"/>
+          </a:p>
+        </p:txBody>
+      </p:sp>
+      <p:sp>
+        <p:nvSpPr>
+          <p:cNvPr id="13" name="矩形 12">
+            <a:extLst>
+              <a:ext uri="{FF2B5EF4-FFF2-40B4-BE49-F238E27FC236}">
+                <a16:creationId xmlns:a16="http://schemas.microsoft.com/office/drawing/2014/main" id="{F1EA254E-EBEB-4E7C-B1F1-C49EF1D9D4D2}"/>
+              </a:ext>
+            </a:extLst>
+          </p:cNvPr>
+          <p:cNvSpPr/>
+          <p:nvPr/>
+        </p:nvSpPr>
+        <p:spPr>
+          <a:xfrm>
+            <a:off x="4678365" y="1423616"/>
+            <a:ext cx="2835271" cy="397565"/>
+          </a:xfrm>
+          <a:prstGeom prst="rect">
+            <a:avLst/>
+          </a:prstGeom>
+        </p:spPr>
+        <p:style>
+          <a:lnRef idx="2">
+            <a:schemeClr val="accent6">
+              <a:shade val="50000"/>
+            </a:schemeClr>
+          </a:lnRef>
+          <a:fillRef idx="1">
+            <a:schemeClr val="accent6"/>
+          </a:fillRef>
+          <a:effectRef idx="0">
+            <a:schemeClr val="accent6"/>
+          </a:effectRef>
+          <a:fontRef idx="minor">
+            <a:schemeClr val="lt1"/>
+          </a:fontRef>
+        </p:style>
+        <p:txBody>
+          <a:bodyPr rtlCol="0" anchor="ctr"/>
+          <a:lstStyle/>
+          <a:p>
+            <a:pPr algn="ctr"/>
+            <a:r>
+              <a:rPr lang="en-US" altLang="zh-CN" dirty="0"/>
+              <a:t>NATS-GRPC</a:t>
+            </a:r>
+            <a:endParaRPr lang="zh-CN" altLang="en-US" dirty="0"/>
+          </a:p>
+        </p:txBody>
+      </p:sp>
+      <p:sp>
+        <p:nvSpPr>
+          <p:cNvPr id="17" name="箭头: 上 16">
+            <a:extLst>
+              <a:ext uri="{FF2B5EF4-FFF2-40B4-BE49-F238E27FC236}">
+                <a16:creationId xmlns:a16="http://schemas.microsoft.com/office/drawing/2014/main" id="{8B20AC3C-6149-4418-93D3-C34214AF2161}"/>
+              </a:ext>
+            </a:extLst>
+          </p:cNvPr>
+          <p:cNvSpPr/>
+          <p:nvPr/>
+        </p:nvSpPr>
+        <p:spPr>
+          <a:xfrm>
+            <a:off x="4678365" y="4675368"/>
+            <a:ext cx="484632" cy="1015448"/>
+          </a:xfrm>
+          <a:prstGeom prst="upArrow">
+            <a:avLst/>
+          </a:prstGeom>
+        </p:spPr>
+        <p:style>
+          <a:lnRef idx="2">
+            <a:schemeClr val="accent1">
+              <a:shade val="50000"/>
+            </a:schemeClr>
+          </a:lnRef>
+          <a:fillRef idx="1">
+            <a:schemeClr val="accent1"/>
+          </a:fillRef>
+          <a:effectRef idx="0">
+            <a:schemeClr val="accent1"/>
+          </a:effectRef>
+          <a:fontRef idx="minor">
+            <a:schemeClr val="lt1"/>
+          </a:fontRef>
+        </p:style>
+        <p:txBody>
+          <a:bodyPr rtlCol="0" anchor="ctr"/>
+          <a:lstStyle/>
+          <a:p>
+            <a:pPr algn="ctr"/>
+            <a:endParaRPr lang="zh-CN" altLang="en-US" dirty="0"/>
+          </a:p>
+        </p:txBody>
+      </p:sp>
+      <p:sp>
+        <p:nvSpPr>
+          <p:cNvPr id="18" name="文本框 17">
+            <a:extLst>
+              <a:ext uri="{FF2B5EF4-FFF2-40B4-BE49-F238E27FC236}">
+                <a16:creationId xmlns:a16="http://schemas.microsoft.com/office/drawing/2014/main" id="{07E4E205-B754-47F8-86D5-47CF1B558A08}"/>
+              </a:ext>
+            </a:extLst>
+          </p:cNvPr>
+          <p:cNvSpPr txBox="1"/>
+          <p:nvPr/>
+        </p:nvSpPr>
+        <p:spPr>
+          <a:xfrm>
+            <a:off x="3776208" y="4714795"/>
+            <a:ext cx="1487582" cy="584775"/>
+          </a:xfrm>
+          <a:prstGeom prst="rect">
+            <a:avLst/>
+          </a:prstGeom>
+          <a:noFill/>
+          <a:ln>
+            <a:noFill/>
+          </a:ln>
+        </p:spPr>
+        <p:style>
+          <a:lnRef idx="0">
+            <a:scrgbClr r="0" g="0" b="0"/>
+          </a:lnRef>
+          <a:fillRef idx="0">
+            <a:scrgbClr r="0" g="0" b="0"/>
+          </a:fillRef>
+          <a:effectRef idx="0">
+            <a:scrgbClr r="0" g="0" b="0"/>
+          </a:effectRef>
+          <a:fontRef idx="minor">
+            <a:schemeClr val="accent1"/>
+          </a:fontRef>
+        </p:style>
+        <p:txBody>
+          <a:bodyPr wrap="square" rtlCol="0">
+            <a:spAutoFit/>
+          </a:bodyPr>
+          <a:lstStyle/>
+          <a:p>
+            <a:r>
+              <a:rPr lang="en-US" altLang="zh-CN" sz="1600" dirty="0"/>
+              <a:t>Request:</a:t>
+            </a:r>
+          </a:p>
+          <a:p>
+            <a:r>
+              <a:rPr lang="en-US" altLang="zh-CN" sz="1600" dirty="0"/>
+              <a:t>SID: XX</a:t>
+            </a:r>
+            <a:endParaRPr lang="zh-CN" altLang="en-US" sz="1600" dirty="0"/>
+          </a:p>
+        </p:txBody>
+      </p:sp>
+      <p:sp>
+        <p:nvSpPr>
+          <p:cNvPr id="19" name="箭头: 上 18">
+            <a:extLst>
+              <a:ext uri="{FF2B5EF4-FFF2-40B4-BE49-F238E27FC236}">
+                <a16:creationId xmlns:a16="http://schemas.microsoft.com/office/drawing/2014/main" id="{493293E6-4EBE-407C-AC0D-B29A0B4E39A3}"/>
+              </a:ext>
+            </a:extLst>
+          </p:cNvPr>
+          <p:cNvSpPr/>
+          <p:nvPr/>
+        </p:nvSpPr>
+        <p:spPr>
+          <a:xfrm>
+            <a:off x="4678365" y="1821181"/>
+            <a:ext cx="484632" cy="2456621"/>
+          </a:xfrm>
+          <a:prstGeom prst="upArrow">
+            <a:avLst/>
+          </a:prstGeom>
+        </p:spPr>
+        <p:style>
+          <a:lnRef idx="2">
+            <a:schemeClr val="accent1">
+              <a:shade val="50000"/>
+            </a:schemeClr>
+          </a:lnRef>
+          <a:fillRef idx="1">
+            <a:schemeClr val="accent1"/>
+          </a:fillRef>
+          <a:effectRef idx="0">
+            <a:schemeClr val="accent1"/>
+          </a:effectRef>
+          <a:fontRef idx="minor">
+            <a:schemeClr val="lt1"/>
+          </a:fontRef>
+        </p:style>
+        <p:txBody>
+          <a:bodyPr rtlCol="0" anchor="ctr"/>
+          <a:lstStyle/>
+          <a:p>
+            <a:pPr algn="ctr"/>
+            <a:endParaRPr lang="zh-CN" altLang="en-US" dirty="0"/>
+          </a:p>
+        </p:txBody>
+      </p:sp>
+      <p:sp>
+        <p:nvSpPr>
+          <p:cNvPr id="20" name="文本框 19">
+            <a:extLst>
+              <a:ext uri="{FF2B5EF4-FFF2-40B4-BE49-F238E27FC236}">
+                <a16:creationId xmlns:a16="http://schemas.microsoft.com/office/drawing/2014/main" id="{252793D2-0939-4658-B1FE-95B26555B2CD}"/>
+              </a:ext>
+            </a:extLst>
+          </p:cNvPr>
+          <p:cNvSpPr txBox="1"/>
+          <p:nvPr/>
+        </p:nvSpPr>
+        <p:spPr>
+          <a:xfrm>
+            <a:off x="3164762" y="3567393"/>
+            <a:ext cx="1668508" cy="646331"/>
+          </a:xfrm>
+          <a:prstGeom prst="rect">
+            <a:avLst/>
+          </a:prstGeom>
+          <a:noFill/>
+          <a:ln>
+            <a:noFill/>
+          </a:ln>
+        </p:spPr>
+        <p:style>
+          <a:lnRef idx="0">
+            <a:scrgbClr r="0" g="0" b="0"/>
+          </a:lnRef>
+          <a:fillRef idx="0">
+            <a:scrgbClr r="0" g="0" b="0"/>
+          </a:fillRef>
+          <a:effectRef idx="0">
+            <a:scrgbClr r="0" g="0" b="0"/>
+          </a:effectRef>
+          <a:fontRef idx="minor">
+            <a:schemeClr val="dk1"/>
+          </a:fontRef>
+        </p:style>
+        <p:txBody>
+          <a:bodyPr wrap="square" rtlCol="0">
+            <a:spAutoFit/>
+          </a:bodyPr>
+          <a:lstStyle/>
+          <a:p>
+            <a:pPr algn="r"/>
+            <a:r>
+              <a:rPr lang="en-US" altLang="zh-CN" dirty="0"/>
+              <a:t>Update Status</a:t>
+            </a:r>
+          </a:p>
+          <a:p>
+            <a:pPr algn="ctr"/>
+            <a:r>
+              <a:rPr lang="en-US" altLang="zh-CN" dirty="0"/>
+              <a:t>(Add a Client)</a:t>
+            </a:r>
+            <a:endParaRPr lang="zh-CN" altLang="en-US" dirty="0"/>
+          </a:p>
+        </p:txBody>
+      </p:sp>
+      <p:grpSp>
+        <p:nvGrpSpPr>
+          <p:cNvPr id="6" name="组合 5">
+            <a:extLst>
+              <a:ext uri="{FF2B5EF4-FFF2-40B4-BE49-F238E27FC236}">
+                <a16:creationId xmlns:a16="http://schemas.microsoft.com/office/drawing/2014/main" id="{450ABD52-3C3E-4AEF-BE91-38E75914C5BB}"/>
+              </a:ext>
+            </a:extLst>
+          </p:cNvPr>
+          <p:cNvGrpSpPr/>
+          <p:nvPr/>
+        </p:nvGrpSpPr>
+        <p:grpSpPr>
+          <a:xfrm>
+            <a:off x="4465985" y="2402431"/>
+            <a:ext cx="3396249" cy="1587137"/>
+            <a:chOff x="8871569" y="5036300"/>
+            <a:chExt cx="3396249" cy="1587137"/>
+          </a:xfrm>
+        </p:grpSpPr>
+        <p:sp>
+          <p:nvSpPr>
+            <p:cNvPr id="10" name="矩形 9">
+              <a:extLst>
+                <a:ext uri="{FF2B5EF4-FFF2-40B4-BE49-F238E27FC236}">
+                  <a16:creationId xmlns:a16="http://schemas.microsoft.com/office/drawing/2014/main" id="{79F1CF06-8F0E-4740-AED3-3024400D4801}"/>
+                </a:ext>
+              </a:extLst>
+            </p:cNvPr>
+            <p:cNvSpPr/>
+            <p:nvPr/>
+          </p:nvSpPr>
+          <p:spPr>
+            <a:xfrm>
+              <a:off x="8871569" y="5036300"/>
+              <a:ext cx="3260035" cy="1026570"/>
+            </a:xfrm>
+            <a:prstGeom prst="rect">
+              <a:avLst/>
+            </a:prstGeom>
+          </p:spPr>
+          <p:style>
+            <a:lnRef idx="2">
+              <a:schemeClr val="accent3">
+                <a:shade val="50000"/>
+              </a:schemeClr>
+            </a:lnRef>
+            <a:fillRef idx="1">
+              <a:schemeClr val="accent3"/>
+            </a:fillRef>
+            <a:effectRef idx="0">
+              <a:schemeClr val="accent3"/>
+            </a:effectRef>
+            <a:fontRef idx="minor">
+              <a:schemeClr val="lt1"/>
+            </a:fontRef>
+          </p:style>
+          <p:txBody>
+            <a:bodyPr rtlCol="0" anchor="t"/>
+            <a:lstStyle/>
+            <a:p>
+              <a:pPr algn="ctr"/>
+              <a:r>
+                <a:rPr lang="en-US" altLang="zh-CN" dirty="0"/>
+                <a:t>Status Updater</a:t>
+              </a:r>
+            </a:p>
+          </p:txBody>
+        </p:sp>
+        <p:sp>
+          <p:nvSpPr>
+            <p:cNvPr id="11" name="矩形 10">
+              <a:extLst>
+                <a:ext uri="{FF2B5EF4-FFF2-40B4-BE49-F238E27FC236}">
+                  <a16:creationId xmlns:a16="http://schemas.microsoft.com/office/drawing/2014/main" id="{C3228C9D-82B8-4858-A795-23CCA86B8787}"/>
+                </a:ext>
+              </a:extLst>
+            </p:cNvPr>
+            <p:cNvSpPr/>
+            <p:nvPr/>
+          </p:nvSpPr>
+          <p:spPr>
+            <a:xfrm>
+              <a:off x="10798947" y="5470497"/>
+              <a:ext cx="1468871" cy="1152940"/>
+            </a:xfrm>
+            <a:prstGeom prst="rect">
+              <a:avLst/>
+            </a:prstGeom>
+          </p:spPr>
+          <p:style>
+            <a:lnRef idx="2">
+              <a:schemeClr val="accent2">
+                <a:shade val="50000"/>
+              </a:schemeClr>
+            </a:lnRef>
+            <a:fillRef idx="1">
+              <a:schemeClr val="accent2"/>
+            </a:fillRef>
+            <a:effectRef idx="0">
+              <a:schemeClr val="accent2"/>
+            </a:effectRef>
+            <a:fontRef idx="minor">
+              <a:schemeClr val="lt1"/>
+            </a:fontRef>
+          </p:style>
+          <p:txBody>
+            <a:bodyPr rtlCol="0" anchor="ctr"/>
+            <a:lstStyle/>
+            <a:p>
+              <a:pPr algn="ctr"/>
+              <a:r>
+                <a:rPr lang="en-US" altLang="zh-CN" dirty="0"/>
+                <a:t>ION-SFU</a:t>
+              </a:r>
+              <a:endParaRPr lang="zh-CN" altLang="en-US" dirty="0"/>
+            </a:p>
+          </p:txBody>
+        </p:sp>
+      </p:grpSp>
+      <p:sp>
+        <p:nvSpPr>
+          <p:cNvPr id="21" name="文本框 20">
+            <a:extLst>
+              <a:ext uri="{FF2B5EF4-FFF2-40B4-BE49-F238E27FC236}">
+                <a16:creationId xmlns:a16="http://schemas.microsoft.com/office/drawing/2014/main" id="{114B94BB-BCF8-405C-BB51-A3C9D5C184B6}"/>
+              </a:ext>
+            </a:extLst>
+          </p:cNvPr>
+          <p:cNvSpPr txBox="1"/>
+          <p:nvPr/>
+        </p:nvSpPr>
+        <p:spPr>
+          <a:xfrm>
+            <a:off x="2631736" y="5358612"/>
+            <a:ext cx="2288945" cy="276999"/>
+          </a:xfrm>
+          <a:prstGeom prst="rect">
+            <a:avLst/>
+          </a:prstGeom>
+          <a:noFill/>
+          <a:ln>
+            <a:noFill/>
+          </a:ln>
+        </p:spPr>
+        <p:style>
+          <a:lnRef idx="0">
+            <a:scrgbClr r="0" g="0" b="0"/>
+          </a:lnRef>
+          <a:fillRef idx="0">
+            <a:scrgbClr r="0" g="0" b="0"/>
+          </a:fillRef>
+          <a:effectRef idx="0">
+            <a:scrgbClr r="0" g="0" b="0"/>
+          </a:effectRef>
+          <a:fontRef idx="minor">
+            <a:schemeClr val="dk1"/>
+          </a:fontRef>
+        </p:style>
+        <p:txBody>
+          <a:bodyPr wrap="square" rtlCol="0">
+            <a:spAutoFit/>
+          </a:bodyPr>
+          <a:lstStyle/>
+          <a:p>
+            <a:r>
+              <a:rPr lang="en-US" altLang="zh-CN" sz="1200" dirty="0"/>
+              <a:t>Send request and wait for reply</a:t>
+            </a:r>
+            <a:endParaRPr lang="zh-CN" altLang="en-US" sz="1200" dirty="0"/>
+          </a:p>
+        </p:txBody>
+      </p:sp>
+      <p:sp>
+        <p:nvSpPr>
+          <p:cNvPr id="22" name="文本框 21">
+            <a:extLst>
+              <a:ext uri="{FF2B5EF4-FFF2-40B4-BE49-F238E27FC236}">
+                <a16:creationId xmlns:a16="http://schemas.microsoft.com/office/drawing/2014/main" id="{12A5B884-E2AB-49EB-9A0F-2810189288C6}"/>
+              </a:ext>
+            </a:extLst>
+          </p:cNvPr>
+          <p:cNvSpPr txBox="1"/>
+          <p:nvPr/>
+        </p:nvSpPr>
+        <p:spPr>
+          <a:xfrm>
+            <a:off x="3164762" y="2029224"/>
+            <a:ext cx="1668508" cy="369332"/>
+          </a:xfrm>
+          <a:prstGeom prst="rect">
+            <a:avLst/>
+          </a:prstGeom>
+          <a:noFill/>
+          <a:ln>
+            <a:noFill/>
+          </a:ln>
+        </p:spPr>
+        <p:style>
+          <a:lnRef idx="0">
+            <a:scrgbClr r="0" g="0" b="0"/>
+          </a:lnRef>
+          <a:fillRef idx="0">
+            <a:scrgbClr r="0" g="0" b="0"/>
+          </a:fillRef>
+          <a:effectRef idx="0">
+            <a:scrgbClr r="0" g="0" b="0"/>
+          </a:effectRef>
+          <a:fontRef idx="minor">
+            <a:schemeClr val="dk1"/>
+          </a:fontRef>
+        </p:style>
+        <p:txBody>
+          <a:bodyPr wrap="square" rtlCol="0">
+            <a:spAutoFit/>
+          </a:bodyPr>
+          <a:lstStyle/>
+          <a:p>
+            <a:pPr algn="r"/>
+            <a:r>
+              <a:rPr lang="en-US" altLang="zh-CN" dirty="0"/>
+              <a:t>Send Status</a:t>
+            </a:r>
+            <a:endParaRPr lang="zh-CN" altLang="en-US" dirty="0"/>
+          </a:p>
+        </p:txBody>
+      </p:sp>
+      <p:sp>
+        <p:nvSpPr>
+          <p:cNvPr id="23" name="箭头: 上 22">
+            <a:extLst>
+              <a:ext uri="{FF2B5EF4-FFF2-40B4-BE49-F238E27FC236}">
+                <a16:creationId xmlns:a16="http://schemas.microsoft.com/office/drawing/2014/main" id="{8E99D97C-10C3-4B6C-AD4C-7A09699C8EC3}"/>
+              </a:ext>
+            </a:extLst>
+          </p:cNvPr>
+          <p:cNvSpPr/>
+          <p:nvPr/>
+        </p:nvSpPr>
+        <p:spPr>
+          <a:xfrm rot="10800000">
+            <a:off x="7029004" y="1821180"/>
+            <a:ext cx="484632" cy="1026570"/>
+          </a:xfrm>
+          <a:prstGeom prst="upArrow">
+            <a:avLst/>
+          </a:prstGeom>
+        </p:spPr>
+        <p:style>
+          <a:lnRef idx="2">
+            <a:schemeClr val="accent1">
+              <a:shade val="50000"/>
+            </a:schemeClr>
+          </a:lnRef>
+          <a:fillRef idx="1">
+            <a:schemeClr val="accent1"/>
+          </a:fillRef>
+          <a:effectRef idx="0">
+            <a:schemeClr val="accent1"/>
+          </a:effectRef>
+          <a:fontRef idx="minor">
+            <a:schemeClr val="lt1"/>
+          </a:fontRef>
+        </p:style>
+        <p:txBody>
+          <a:bodyPr rtlCol="0" anchor="ctr"/>
+          <a:lstStyle/>
+          <a:p>
+            <a:pPr algn="ctr"/>
+            <a:endParaRPr lang="zh-CN" altLang="en-US" dirty="0"/>
+          </a:p>
+        </p:txBody>
+      </p:sp>
+      <p:sp>
+        <p:nvSpPr>
+          <p:cNvPr id="24" name="文本框 23">
+            <a:extLst>
+              <a:ext uri="{FF2B5EF4-FFF2-40B4-BE49-F238E27FC236}">
+                <a16:creationId xmlns:a16="http://schemas.microsoft.com/office/drawing/2014/main" id="{28581C4C-195E-4F7D-8026-0CFED4AFB35C}"/>
+              </a:ext>
+            </a:extLst>
+          </p:cNvPr>
+          <p:cNvSpPr txBox="1"/>
+          <p:nvPr/>
+        </p:nvSpPr>
+        <p:spPr>
+          <a:xfrm>
+            <a:off x="7358730" y="1858229"/>
+            <a:ext cx="1668508" cy="369332"/>
+          </a:xfrm>
+          <a:prstGeom prst="rect">
+            <a:avLst/>
+          </a:prstGeom>
+          <a:noFill/>
+          <a:ln>
+            <a:noFill/>
+          </a:ln>
+        </p:spPr>
+        <p:style>
+          <a:lnRef idx="0">
+            <a:scrgbClr r="0" g="0" b="0"/>
+          </a:lnRef>
+          <a:fillRef idx="0">
+            <a:scrgbClr r="0" g="0" b="0"/>
+          </a:fillRef>
+          <a:effectRef idx="0">
+            <a:scrgbClr r="0" g="0" b="0"/>
+          </a:effectRef>
+          <a:fontRef idx="minor">
+            <a:schemeClr val="dk1"/>
+          </a:fontRef>
+        </p:style>
+        <p:txBody>
+          <a:bodyPr wrap="square" rtlCol="0">
+            <a:spAutoFit/>
+          </a:bodyPr>
+          <a:lstStyle/>
+          <a:p>
+            <a:r>
+              <a:rPr lang="en-US" altLang="zh-CN" dirty="0"/>
+              <a:t>Receive Status</a:t>
+            </a:r>
+            <a:endParaRPr lang="zh-CN" altLang="en-US" dirty="0"/>
+          </a:p>
+        </p:txBody>
+      </p:sp>
+      <p:sp>
+        <p:nvSpPr>
+          <p:cNvPr id="25" name="文本框 24">
+            <a:extLst>
+              <a:ext uri="{FF2B5EF4-FFF2-40B4-BE49-F238E27FC236}">
+                <a16:creationId xmlns:a16="http://schemas.microsoft.com/office/drawing/2014/main" id="{3040EB89-FA48-4713-95B0-B40087294361}"/>
+              </a:ext>
+            </a:extLst>
+          </p:cNvPr>
+          <p:cNvSpPr txBox="1"/>
+          <p:nvPr/>
+        </p:nvSpPr>
+        <p:spPr>
+          <a:xfrm>
+            <a:off x="7358730" y="2323178"/>
+            <a:ext cx="1668508" cy="369332"/>
+          </a:xfrm>
+          <a:prstGeom prst="rect">
+            <a:avLst/>
+          </a:prstGeom>
+          <a:noFill/>
+          <a:ln>
+            <a:noFill/>
+          </a:ln>
+        </p:spPr>
+        <p:style>
+          <a:lnRef idx="0">
+            <a:scrgbClr r="0" g="0" b="0"/>
+          </a:lnRef>
+          <a:fillRef idx="0">
+            <a:scrgbClr r="0" g="0" b="0"/>
+          </a:fillRef>
+          <a:effectRef idx="0">
+            <a:scrgbClr r="0" g="0" b="0"/>
+          </a:effectRef>
+          <a:fontRef idx="minor">
+            <a:schemeClr val="dk1"/>
+          </a:fontRef>
+        </p:style>
+        <p:txBody>
+          <a:bodyPr wrap="square" rtlCol="0">
+            <a:spAutoFit/>
+          </a:bodyPr>
+          <a:lstStyle/>
+          <a:p>
+            <a:r>
+              <a:rPr lang="en-US" altLang="zh-CN" dirty="0"/>
+              <a:t>Update Status</a:t>
+            </a:r>
+            <a:endParaRPr lang="zh-CN" altLang="en-US" dirty="0"/>
+          </a:p>
+        </p:txBody>
+      </p:sp>
+      <p:sp>
+        <p:nvSpPr>
+          <p:cNvPr id="26" name="箭头: 上 25">
+            <a:extLst>
+              <a:ext uri="{FF2B5EF4-FFF2-40B4-BE49-F238E27FC236}">
+                <a16:creationId xmlns:a16="http://schemas.microsoft.com/office/drawing/2014/main" id="{F3602869-600C-4E53-8D3B-245CF1D78411}"/>
+              </a:ext>
+            </a:extLst>
+          </p:cNvPr>
+          <p:cNvSpPr/>
+          <p:nvPr/>
+        </p:nvSpPr>
+        <p:spPr>
+          <a:xfrm rot="10800000">
+            <a:off x="5881905" y="3428999"/>
+            <a:ext cx="484632" cy="2261815"/>
+          </a:xfrm>
+          <a:prstGeom prst="upArrow">
+            <a:avLst/>
+          </a:prstGeom>
+        </p:spPr>
+        <p:style>
+          <a:lnRef idx="2">
+            <a:schemeClr val="accent1">
+              <a:shade val="50000"/>
+            </a:schemeClr>
+          </a:lnRef>
+          <a:fillRef idx="1">
+            <a:schemeClr val="accent1"/>
+          </a:fillRef>
+          <a:effectRef idx="0">
+            <a:schemeClr val="accent1"/>
+          </a:effectRef>
+          <a:fontRef idx="minor">
+            <a:schemeClr val="lt1"/>
+          </a:fontRef>
+        </p:style>
+        <p:txBody>
+          <a:bodyPr rtlCol="0" anchor="ctr"/>
+          <a:lstStyle/>
+          <a:p>
+            <a:pPr algn="ctr"/>
+            <a:endParaRPr lang="zh-CN" altLang="en-US" dirty="0"/>
+          </a:p>
+        </p:txBody>
+      </p:sp>
+      <p:sp>
+        <p:nvSpPr>
+          <p:cNvPr id="14" name="矩形 13">
+            <a:extLst>
+              <a:ext uri="{FF2B5EF4-FFF2-40B4-BE49-F238E27FC236}">
+                <a16:creationId xmlns:a16="http://schemas.microsoft.com/office/drawing/2014/main" id="{3E03B033-0F32-4EA8-9E90-0933FC6C8250}"/>
+              </a:ext>
+            </a:extLst>
+          </p:cNvPr>
+          <p:cNvSpPr/>
+          <p:nvPr/>
+        </p:nvSpPr>
+        <p:spPr>
+          <a:xfrm>
+            <a:off x="4678365" y="4277803"/>
+            <a:ext cx="2835271" cy="397565"/>
+          </a:xfrm>
+          <a:prstGeom prst="rect">
+            <a:avLst/>
+          </a:prstGeom>
+        </p:spPr>
+        <p:style>
+          <a:lnRef idx="2">
+            <a:schemeClr val="accent6">
+              <a:shade val="50000"/>
+            </a:schemeClr>
+          </a:lnRef>
+          <a:fillRef idx="1">
+            <a:schemeClr val="accent6"/>
+          </a:fillRef>
+          <a:effectRef idx="0">
+            <a:schemeClr val="accent6"/>
+          </a:effectRef>
+          <a:fontRef idx="minor">
+            <a:schemeClr val="lt1"/>
+          </a:fontRef>
+        </p:style>
+        <p:txBody>
+          <a:bodyPr rtlCol="0" anchor="ctr"/>
+          <a:lstStyle/>
+          <a:p>
+            <a:pPr algn="ctr"/>
+            <a:r>
+              <a:rPr lang="en-US" altLang="zh-CN" dirty="0"/>
+              <a:t>NATS-GRPC</a:t>
+            </a:r>
+          </a:p>
+        </p:txBody>
+      </p:sp>
+      <p:sp>
+        <p:nvSpPr>
+          <p:cNvPr id="27" name="文本框 26">
+            <a:extLst>
+              <a:ext uri="{FF2B5EF4-FFF2-40B4-BE49-F238E27FC236}">
+                <a16:creationId xmlns:a16="http://schemas.microsoft.com/office/drawing/2014/main" id="{72EAC5A3-9D46-485D-BD72-43FB0BD01BC6}"/>
+              </a:ext>
+            </a:extLst>
+          </p:cNvPr>
+          <p:cNvSpPr txBox="1"/>
+          <p:nvPr/>
+        </p:nvSpPr>
+        <p:spPr>
+          <a:xfrm>
+            <a:off x="6217571" y="5160052"/>
+            <a:ext cx="590089" cy="276999"/>
+          </a:xfrm>
+          <a:prstGeom prst="rect">
+            <a:avLst/>
+          </a:prstGeom>
+          <a:noFill/>
+          <a:ln>
+            <a:noFill/>
+          </a:ln>
+        </p:spPr>
+        <p:style>
+          <a:lnRef idx="0">
+            <a:scrgbClr r="0" g="0" b="0"/>
+          </a:lnRef>
+          <a:fillRef idx="0">
+            <a:scrgbClr r="0" g="0" b="0"/>
+          </a:fillRef>
+          <a:effectRef idx="0">
+            <a:scrgbClr r="0" g="0" b="0"/>
+          </a:effectRef>
+          <a:fontRef idx="minor">
+            <a:schemeClr val="dk1"/>
+          </a:fontRef>
+        </p:style>
+        <p:txBody>
+          <a:bodyPr wrap="square" rtlCol="0">
+            <a:spAutoFit/>
+          </a:bodyPr>
+          <a:lstStyle/>
+          <a:p>
+            <a:r>
+              <a:rPr lang="en-US" altLang="zh-CN" sz="1200" dirty="0"/>
+              <a:t>Reply</a:t>
+            </a:r>
+            <a:endParaRPr lang="zh-CN" altLang="en-US" sz="1200" dirty="0"/>
+          </a:p>
+        </p:txBody>
+      </p:sp>
+      <p:sp>
+        <p:nvSpPr>
+          <p:cNvPr id="28" name="文本框 27">
+            <a:extLst>
+              <a:ext uri="{FF2B5EF4-FFF2-40B4-BE49-F238E27FC236}">
+                <a16:creationId xmlns:a16="http://schemas.microsoft.com/office/drawing/2014/main" id="{E82C1837-ED6E-420B-BF2B-29F84481C09F}"/>
+              </a:ext>
+            </a:extLst>
+          </p:cNvPr>
+          <p:cNvSpPr txBox="1"/>
+          <p:nvPr/>
+        </p:nvSpPr>
+        <p:spPr>
+          <a:xfrm>
+            <a:off x="6217571" y="4684435"/>
+            <a:ext cx="2826885" cy="584775"/>
+          </a:xfrm>
+          <a:prstGeom prst="rect">
+            <a:avLst/>
+          </a:prstGeom>
+          <a:noFill/>
+          <a:ln>
+            <a:noFill/>
+          </a:ln>
+        </p:spPr>
+        <p:style>
+          <a:lnRef idx="0">
+            <a:scrgbClr r="0" g="0" b="0"/>
+          </a:lnRef>
+          <a:fillRef idx="0">
+            <a:scrgbClr r="0" g="0" b="0"/>
+          </a:fillRef>
+          <a:effectRef idx="0">
+            <a:scrgbClr r="0" g="0" b="0"/>
+          </a:effectRef>
+          <a:fontRef idx="minor">
+            <a:schemeClr val="accent1"/>
+          </a:fontRef>
+        </p:style>
+        <p:txBody>
+          <a:bodyPr wrap="square" rtlCol="0">
+            <a:spAutoFit/>
+          </a:bodyPr>
+          <a:lstStyle/>
+          <a:p>
+            <a:r>
+              <a:rPr lang="en-US" altLang="zh-CN" sz="1600" dirty="0"/>
+              <a:t>Response:</a:t>
+            </a:r>
+          </a:p>
+          <a:p>
+            <a:r>
+              <a:rPr lang="en-US" altLang="zh-CN" sz="1600" dirty="0"/>
+              <a:t>SDP msg: XX</a:t>
+            </a:r>
+            <a:endParaRPr lang="zh-CN" altLang="en-US" sz="1600" dirty="0"/>
+          </a:p>
+        </p:txBody>
+      </p:sp>
+      <p:sp>
+        <p:nvSpPr>
+          <p:cNvPr id="29" name="箭头: 左右 28">
+            <a:extLst>
+              <a:ext uri="{FF2B5EF4-FFF2-40B4-BE49-F238E27FC236}">
+                <a16:creationId xmlns:a16="http://schemas.microsoft.com/office/drawing/2014/main" id="{071D5DCE-3EBC-4806-A55D-6076EF786159}"/>
+              </a:ext>
+            </a:extLst>
+          </p:cNvPr>
+          <p:cNvSpPr/>
+          <p:nvPr/>
+        </p:nvSpPr>
+        <p:spPr>
+          <a:xfrm rot="5400000">
+            <a:off x="6837311" y="4700948"/>
+            <a:ext cx="1701248" cy="278490"/>
+          </a:xfrm>
+          <a:prstGeom prst="leftRightArrow">
+            <a:avLst/>
+          </a:prstGeom>
+        </p:spPr>
+        <p:style>
+          <a:lnRef idx="2">
+            <a:schemeClr val="accent2">
+              <a:shade val="50000"/>
+            </a:schemeClr>
+          </a:lnRef>
+          <a:fillRef idx="1">
+            <a:schemeClr val="accent2"/>
+          </a:fillRef>
+          <a:effectRef idx="0">
+            <a:schemeClr val="accent2"/>
+          </a:effectRef>
+          <a:fontRef idx="minor">
+            <a:schemeClr val="lt1"/>
+          </a:fontRef>
+        </p:style>
+        <p:txBody>
+          <a:bodyPr rtlCol="0" anchor="ctr"/>
+          <a:lstStyle/>
+          <a:p>
+            <a:pPr algn="ctr"/>
+            <a:endParaRPr lang="zh-CN" altLang="en-US"/>
+          </a:p>
+        </p:txBody>
+      </p:sp>
+      <p:sp>
+        <p:nvSpPr>
+          <p:cNvPr id="30" name="文本框 29">
+            <a:extLst>
+              <a:ext uri="{FF2B5EF4-FFF2-40B4-BE49-F238E27FC236}">
+                <a16:creationId xmlns:a16="http://schemas.microsoft.com/office/drawing/2014/main" id="{FDA9E5D0-6CD0-466F-ABEC-32C2B5FD5633}"/>
+              </a:ext>
+            </a:extLst>
+          </p:cNvPr>
+          <p:cNvSpPr txBox="1"/>
+          <p:nvPr/>
+        </p:nvSpPr>
+        <p:spPr>
+          <a:xfrm>
+            <a:off x="7779910" y="5005016"/>
+            <a:ext cx="2826885" cy="338554"/>
+          </a:xfrm>
+          <a:prstGeom prst="rect">
+            <a:avLst/>
+          </a:prstGeom>
+          <a:noFill/>
+          <a:ln>
+            <a:noFill/>
+          </a:ln>
+        </p:spPr>
+        <p:style>
+          <a:lnRef idx="0">
+            <a:scrgbClr r="0" g="0" b="0"/>
+          </a:lnRef>
+          <a:fillRef idx="0">
+            <a:scrgbClr r="0" g="0" b="0"/>
+          </a:fillRef>
+          <a:effectRef idx="0">
+            <a:scrgbClr r="0" g="0" b="0"/>
+          </a:effectRef>
+          <a:fontRef idx="minor">
+            <a:schemeClr val="accent2"/>
+          </a:fontRef>
+        </p:style>
+        <p:txBody>
+          <a:bodyPr wrap="square" rtlCol="0">
+            <a:spAutoFit/>
+          </a:bodyPr>
+          <a:lstStyle/>
+          <a:p>
+            <a:r>
+              <a:rPr lang="en-US" altLang="zh-CN" sz="1600" dirty="0"/>
+              <a:t>WebRTC connect</a:t>
+            </a:r>
+            <a:endParaRPr lang="zh-CN" altLang="en-US" sz="1600" dirty="0"/>
+          </a:p>
+        </p:txBody>
+      </p:sp>
+      <p:grpSp>
+        <p:nvGrpSpPr>
+          <p:cNvPr id="2" name="组合 1">
+            <a:extLst>
+              <a:ext uri="{FF2B5EF4-FFF2-40B4-BE49-F238E27FC236}">
+                <a16:creationId xmlns:a16="http://schemas.microsoft.com/office/drawing/2014/main" id="{A96C90BD-4EFD-40F1-B64A-863AE6DE0834}"/>
+              </a:ext>
+            </a:extLst>
+          </p:cNvPr>
+          <p:cNvGrpSpPr/>
+          <p:nvPr/>
+        </p:nvGrpSpPr>
+        <p:grpSpPr>
+          <a:xfrm>
+            <a:off x="4329765" y="5690816"/>
+            <a:ext cx="3532470" cy="778069"/>
+            <a:chOff x="4329765" y="5690816"/>
+            <a:chExt cx="3532470" cy="778069"/>
+          </a:xfrm>
+        </p:grpSpPr>
+        <p:sp>
+          <p:nvSpPr>
+            <p:cNvPr id="16" name="矩形 15">
+              <a:extLst>
+                <a:ext uri="{FF2B5EF4-FFF2-40B4-BE49-F238E27FC236}">
+                  <a16:creationId xmlns:a16="http://schemas.microsoft.com/office/drawing/2014/main" id="{A4C0ACEC-B549-4A4C-B37A-A601092E5D41}"/>
+                </a:ext>
+              </a:extLst>
+            </p:cNvPr>
+            <p:cNvSpPr/>
+            <p:nvPr/>
+          </p:nvSpPr>
+          <p:spPr>
+            <a:xfrm>
+              <a:off x="4329765" y="5690816"/>
+              <a:ext cx="3532470" cy="778069"/>
+            </a:xfrm>
+            <a:prstGeom prst="rect">
+              <a:avLst/>
+            </a:prstGeom>
+          </p:spPr>
+          <p:style>
+            <a:lnRef idx="2">
+              <a:schemeClr val="dk1"/>
+            </a:lnRef>
+            <a:fillRef idx="1">
+              <a:schemeClr val="lt1"/>
+            </a:fillRef>
+            <a:effectRef idx="0">
+              <a:schemeClr val="dk1"/>
+            </a:effectRef>
+            <a:fontRef idx="minor">
+              <a:schemeClr val="dk1"/>
+            </a:fontRef>
+          </p:style>
+          <p:txBody>
+            <a:bodyPr rtlCol="0" anchor="b"/>
+            <a:lstStyle/>
+            <a:p>
+              <a:pPr algn="ctr"/>
+              <a:r>
+                <a:rPr lang="en-US" altLang="zh-CN" dirty="0"/>
+                <a:t>Client</a:t>
+              </a:r>
+              <a:endParaRPr lang="zh-CN" altLang="en-US" dirty="0"/>
+            </a:p>
+          </p:txBody>
+        </p:sp>
+        <p:sp>
+          <p:nvSpPr>
+            <p:cNvPr id="32" name="矩形 31">
+              <a:extLst>
+                <a:ext uri="{FF2B5EF4-FFF2-40B4-BE49-F238E27FC236}">
+                  <a16:creationId xmlns:a16="http://schemas.microsoft.com/office/drawing/2014/main" id="{51DA87A9-8A7F-45FB-BB3A-0C8E9D0EBAA6}"/>
+                </a:ext>
+              </a:extLst>
+            </p:cNvPr>
+            <p:cNvSpPr/>
+            <p:nvPr/>
+          </p:nvSpPr>
+          <p:spPr>
+            <a:xfrm>
+              <a:off x="4678364" y="5701936"/>
+              <a:ext cx="2835271" cy="397565"/>
+            </a:xfrm>
+            <a:prstGeom prst="rect">
+              <a:avLst/>
+            </a:prstGeom>
+          </p:spPr>
+          <p:style>
+            <a:lnRef idx="2">
+              <a:schemeClr val="accent6">
+                <a:shade val="50000"/>
+              </a:schemeClr>
+            </a:lnRef>
+            <a:fillRef idx="1">
+              <a:schemeClr val="accent6"/>
+            </a:fillRef>
+            <a:effectRef idx="0">
+              <a:schemeClr val="accent6"/>
+            </a:effectRef>
+            <a:fontRef idx="minor">
+              <a:schemeClr val="lt1"/>
+            </a:fontRef>
+          </p:style>
+          <p:txBody>
+            <a:bodyPr rtlCol="0" anchor="ctr"/>
+            <a:lstStyle/>
+            <a:p>
+              <a:pPr algn="ctr"/>
+              <a:r>
+                <a:rPr lang="en-US" altLang="zh-CN" dirty="0"/>
+                <a:t>NATS-GRPC</a:t>
+              </a:r>
+            </a:p>
+          </p:txBody>
+        </p:sp>
+      </p:grpSp>
+      <p:sp>
+        <p:nvSpPr>
+          <p:cNvPr id="31" name="文本框 30">
+            <a:extLst>
+              <a:ext uri="{FF2B5EF4-FFF2-40B4-BE49-F238E27FC236}">
+                <a16:creationId xmlns:a16="http://schemas.microsoft.com/office/drawing/2014/main" id="{06F027E1-0D95-4539-BEA2-A7B2002E2622}"/>
+              </a:ext>
+            </a:extLst>
+          </p:cNvPr>
+          <p:cNvSpPr txBox="1"/>
+          <p:nvPr/>
+        </p:nvSpPr>
+        <p:spPr>
+          <a:xfrm>
+            <a:off x="4582722" y="5506149"/>
+            <a:ext cx="813043" cy="369332"/>
+          </a:xfrm>
+          <a:prstGeom prst="rect">
+            <a:avLst/>
+          </a:prstGeom>
+          <a:noFill/>
+        </p:spPr>
+        <p:txBody>
+          <a:bodyPr wrap="none" rtlCol="0">
+            <a:spAutoFit/>
+          </a:bodyPr>
+          <a:lstStyle/>
+          <a:p>
+            <a:r>
+              <a:rPr lang="en-US" altLang="zh-CN" dirty="0">
+                <a:solidFill>
+                  <a:srgbClr val="FF0000"/>
+                </a:solidFill>
+              </a:rPr>
+              <a:t>Step 1</a:t>
+            </a:r>
+            <a:endParaRPr lang="zh-CN" altLang="en-US" dirty="0">
+              <a:solidFill>
+                <a:srgbClr val="FF0000"/>
+              </a:solidFill>
+            </a:endParaRPr>
+          </a:p>
+        </p:txBody>
+      </p:sp>
+      <p:sp>
+        <p:nvSpPr>
+          <p:cNvPr id="33" name="文本框 32">
+            <a:extLst>
+              <a:ext uri="{FF2B5EF4-FFF2-40B4-BE49-F238E27FC236}">
+                <a16:creationId xmlns:a16="http://schemas.microsoft.com/office/drawing/2014/main" id="{EA2BF1B5-6FA5-4877-A698-13EB180EA5E7}"/>
+              </a:ext>
+            </a:extLst>
+          </p:cNvPr>
+          <p:cNvSpPr txBox="1"/>
+          <p:nvPr/>
+        </p:nvSpPr>
+        <p:spPr>
+          <a:xfrm>
+            <a:off x="5739760" y="5505137"/>
+            <a:ext cx="813043" cy="369332"/>
+          </a:xfrm>
+          <a:prstGeom prst="rect">
+            <a:avLst/>
+          </a:prstGeom>
+          <a:noFill/>
+        </p:spPr>
+        <p:txBody>
+          <a:bodyPr wrap="none" rtlCol="0">
+            <a:spAutoFit/>
+          </a:bodyPr>
+          <a:lstStyle/>
+          <a:p>
+            <a:r>
+              <a:rPr lang="en-US" altLang="zh-CN" dirty="0">
+                <a:solidFill>
+                  <a:srgbClr val="FF0000"/>
+                </a:solidFill>
+              </a:rPr>
+              <a:t>Step 2</a:t>
+            </a:r>
+            <a:endParaRPr lang="zh-CN" altLang="en-US" dirty="0">
+              <a:solidFill>
+                <a:srgbClr val="FF0000"/>
+              </a:solidFill>
+            </a:endParaRPr>
+          </a:p>
+        </p:txBody>
+      </p:sp>
+      <p:sp>
+        <p:nvSpPr>
+          <p:cNvPr id="34" name="文本框 33">
+            <a:extLst>
+              <a:ext uri="{FF2B5EF4-FFF2-40B4-BE49-F238E27FC236}">
+                <a16:creationId xmlns:a16="http://schemas.microsoft.com/office/drawing/2014/main" id="{E2EF9221-69F9-4A8D-AE12-B006D97B7E3A}"/>
+              </a:ext>
+            </a:extLst>
+          </p:cNvPr>
+          <p:cNvSpPr txBox="1"/>
+          <p:nvPr/>
+        </p:nvSpPr>
+        <p:spPr>
+          <a:xfrm>
+            <a:off x="7281413" y="5505137"/>
+            <a:ext cx="813043" cy="369332"/>
+          </a:xfrm>
+          <a:prstGeom prst="rect">
+            <a:avLst/>
+          </a:prstGeom>
+          <a:noFill/>
+        </p:spPr>
+        <p:txBody>
+          <a:bodyPr wrap="none" rtlCol="0">
+            <a:spAutoFit/>
+          </a:bodyPr>
+          <a:lstStyle/>
+          <a:p>
+            <a:r>
+              <a:rPr lang="en-US" altLang="zh-CN" dirty="0">
+                <a:solidFill>
+                  <a:srgbClr val="FF0000"/>
+                </a:solidFill>
+              </a:rPr>
+              <a:t>Step 3</a:t>
+            </a:r>
+            <a:endParaRPr lang="zh-CN" altLang="en-US" dirty="0">
+              <a:solidFill>
+                <a:srgbClr val="FF0000"/>
+              </a:solidFill>
+            </a:endParaRPr>
+          </a:p>
+        </p:txBody>
+      </p:sp>
+    </p:spTree>
+    <p:extLst>
+      <p:ext uri="{BB962C8B-B14F-4D97-AF65-F5344CB8AC3E}">
+        <p14:creationId xmlns:p14="http://schemas.microsoft.com/office/powerpoint/2010/main" val="4037165958"/>
       </p:ext>
     </p:extLst>
   </p:cSld>
